--- a/Workout Manager.pptx
+++ b/Workout Manager.pptx
@@ -2,7 +2,7 @@
 <file path=ppt/presentation.xml><?xml version="1.0" encoding="utf-8"?>
 <p:presentation xmlns:a="http://schemas.openxmlformats.org/drawingml/2006/main" xmlns:r="http://schemas.openxmlformats.org/officeDocument/2006/relationships" xmlns:p="http://schemas.openxmlformats.org/presentationml/2006/main" saveSubsetFonts="1" autoCompressPictures="0">
   <p:sldMasterIdLst>
-    <p:sldMasterId id="2147483648" r:id="rId1"/>
+    <p:sldMasterId id="2147483738" r:id="rId1"/>
   </p:sldMasterIdLst>
   <p:sldIdLst>
     <p:sldId id="256" r:id="rId2"/>
@@ -13,7 +13,7 @@
     <a:defPPr>
       <a:defRPr lang="en-US"/>
     </a:defPPr>
-    <a:lvl1pPr marL="0" algn="l" defTabSz="914400" rtl="0" eaLnBrk="1" latinLnBrk="0" hangingPunct="1">
+    <a:lvl1pPr marL="0" algn="l" defTabSz="457200" rtl="0" eaLnBrk="1" latinLnBrk="0" hangingPunct="1">
       <a:defRPr sz="1800" kern="1200">
         <a:solidFill>
           <a:schemeClr val="tx1"/>
@@ -23,7 +23,7 @@
         <a:cs typeface="+mn-cs"/>
       </a:defRPr>
     </a:lvl1pPr>
-    <a:lvl2pPr marL="457200" algn="l" defTabSz="914400" rtl="0" eaLnBrk="1" latinLnBrk="0" hangingPunct="1">
+    <a:lvl2pPr marL="457200" algn="l" defTabSz="457200" rtl="0" eaLnBrk="1" latinLnBrk="0" hangingPunct="1">
       <a:defRPr sz="1800" kern="1200">
         <a:solidFill>
           <a:schemeClr val="tx1"/>
@@ -33,7 +33,7 @@
         <a:cs typeface="+mn-cs"/>
       </a:defRPr>
     </a:lvl2pPr>
-    <a:lvl3pPr marL="914400" algn="l" defTabSz="914400" rtl="0" eaLnBrk="1" latinLnBrk="0" hangingPunct="1">
+    <a:lvl3pPr marL="914400" algn="l" defTabSz="457200" rtl="0" eaLnBrk="1" latinLnBrk="0" hangingPunct="1">
       <a:defRPr sz="1800" kern="1200">
         <a:solidFill>
           <a:schemeClr val="tx1"/>
@@ -43,7 +43,7 @@
         <a:cs typeface="+mn-cs"/>
       </a:defRPr>
     </a:lvl3pPr>
-    <a:lvl4pPr marL="1371600" algn="l" defTabSz="914400" rtl="0" eaLnBrk="1" latinLnBrk="0" hangingPunct="1">
+    <a:lvl4pPr marL="1371600" algn="l" defTabSz="457200" rtl="0" eaLnBrk="1" latinLnBrk="0" hangingPunct="1">
       <a:defRPr sz="1800" kern="1200">
         <a:solidFill>
           <a:schemeClr val="tx1"/>
@@ -53,7 +53,7 @@
         <a:cs typeface="+mn-cs"/>
       </a:defRPr>
     </a:lvl4pPr>
-    <a:lvl5pPr marL="1828800" algn="l" defTabSz="914400" rtl="0" eaLnBrk="1" latinLnBrk="0" hangingPunct="1">
+    <a:lvl5pPr marL="1828800" algn="l" defTabSz="457200" rtl="0" eaLnBrk="1" latinLnBrk="0" hangingPunct="1">
       <a:defRPr sz="1800" kern="1200">
         <a:solidFill>
           <a:schemeClr val="tx1"/>
@@ -63,7 +63,7 @@
         <a:cs typeface="+mn-cs"/>
       </a:defRPr>
     </a:lvl5pPr>
-    <a:lvl6pPr marL="2286000" algn="l" defTabSz="914400" rtl="0" eaLnBrk="1" latinLnBrk="0" hangingPunct="1">
+    <a:lvl6pPr marL="2286000" algn="l" defTabSz="457200" rtl="0" eaLnBrk="1" latinLnBrk="0" hangingPunct="1">
       <a:defRPr sz="1800" kern="1200">
         <a:solidFill>
           <a:schemeClr val="tx1"/>
@@ -73,7 +73,7 @@
         <a:cs typeface="+mn-cs"/>
       </a:defRPr>
     </a:lvl6pPr>
-    <a:lvl7pPr marL="2743200" algn="l" defTabSz="914400" rtl="0" eaLnBrk="1" latinLnBrk="0" hangingPunct="1">
+    <a:lvl7pPr marL="2743200" algn="l" defTabSz="457200" rtl="0" eaLnBrk="1" latinLnBrk="0" hangingPunct="1">
       <a:defRPr sz="1800" kern="1200">
         <a:solidFill>
           <a:schemeClr val="tx1"/>
@@ -83,7 +83,7 @@
         <a:cs typeface="+mn-cs"/>
       </a:defRPr>
     </a:lvl7pPr>
-    <a:lvl8pPr marL="3200400" algn="l" defTabSz="914400" rtl="0" eaLnBrk="1" latinLnBrk="0" hangingPunct="1">
+    <a:lvl8pPr marL="3200400" algn="l" defTabSz="457200" rtl="0" eaLnBrk="1" latinLnBrk="0" hangingPunct="1">
       <a:defRPr sz="1800" kern="1200">
         <a:solidFill>
           <a:schemeClr val="tx1"/>
@@ -93,7 +93,7 @@
         <a:cs typeface="+mn-cs"/>
       </a:defRPr>
     </a:lvl8pPr>
-    <a:lvl9pPr marL="3657600" algn="l" defTabSz="914400" rtl="0" eaLnBrk="1" latinLnBrk="0" hangingPunct="1">
+    <a:lvl9pPr marL="3657600" algn="l" defTabSz="457200" rtl="0" eaLnBrk="1" latinLnBrk="0" hangingPunct="1">
       <a:defRPr sz="1800" kern="1200">
         <a:solidFill>
           <a:schemeClr val="tx1"/>
@@ -126,13 +126,7 @@
       </p:grpSpPr>
       <p:sp>
         <p:nvSpPr>
-          <p:cNvPr id="2" name="Title 1">
-            <a:extLst>
-              <a:ext uri="{FF2B5EF4-FFF2-40B4-BE49-F238E27FC236}">
-                <a16:creationId xmlns:a16="http://schemas.microsoft.com/office/drawing/2014/main" id="{6A0CC09D-A5D0-A6F4-DB96-E2FC1BEABC07}"/>
-              </a:ext>
-            </a:extLst>
-          </p:cNvPr>
+          <p:cNvPr id="2" name="Title 1"/>
           <p:cNvSpPr>
             <a:spLocks noGrp="1"/>
           </p:cNvSpPr>
@@ -158,18 +152,13 @@
               <a:rPr lang="en-US"/>
               <a:t>Click to edit Master title style</a:t>
             </a:r>
-          </a:p>
-        </p:txBody>
-      </p:sp>
-      <p:sp>
-        <p:nvSpPr>
-          <p:cNvPr id="3" name="Subtitle 2">
-            <a:extLst>
-              <a:ext uri="{FF2B5EF4-FFF2-40B4-BE49-F238E27FC236}">
-                <a16:creationId xmlns:a16="http://schemas.microsoft.com/office/drawing/2014/main" id="{AD5BD1A1-27AA-5471-4227-E76A5C2AB0F3}"/>
-              </a:ext>
-            </a:extLst>
-          </p:cNvPr>
+            <a:endParaRPr lang="en-US" dirty="0"/>
+          </a:p>
+        </p:txBody>
+      </p:sp>
+      <p:sp>
+        <p:nvSpPr>
+          <p:cNvPr id="3" name="Subtitle 2"/>
           <p:cNvSpPr>
             <a:spLocks noGrp="1"/>
           </p:cNvSpPr>
@@ -228,18 +217,13 @@
               <a:rPr lang="en-US"/>
               <a:t>Click to edit Master subtitle style</a:t>
             </a:r>
-          </a:p>
-        </p:txBody>
-      </p:sp>
-      <p:sp>
-        <p:nvSpPr>
-          <p:cNvPr id="4" name="Date Placeholder 3">
-            <a:extLst>
-              <a:ext uri="{FF2B5EF4-FFF2-40B4-BE49-F238E27FC236}">
-                <a16:creationId xmlns:a16="http://schemas.microsoft.com/office/drawing/2014/main" id="{5ACE0D75-F07A-05A0-3A85-31980153B4CE}"/>
-              </a:ext>
-            </a:extLst>
-          </p:cNvPr>
+            <a:endParaRPr lang="en-US" dirty="0"/>
+          </a:p>
+        </p:txBody>
+      </p:sp>
+      <p:sp>
+        <p:nvSpPr>
+          <p:cNvPr id="4" name="Date Placeholder 3"/>
           <p:cNvSpPr>
             <a:spLocks noGrp="1"/>
           </p:cNvSpPr>
@@ -262,13 +246,7 @@
       </p:sp>
       <p:sp>
         <p:nvSpPr>
-          <p:cNvPr id="5" name="Footer Placeholder 4">
-            <a:extLst>
-              <a:ext uri="{FF2B5EF4-FFF2-40B4-BE49-F238E27FC236}">
-                <a16:creationId xmlns:a16="http://schemas.microsoft.com/office/drawing/2014/main" id="{192D924E-8497-FB09-F50A-B1C4FEFD6373}"/>
-              </a:ext>
-            </a:extLst>
-          </p:cNvPr>
+          <p:cNvPr id="5" name="Footer Placeholder 4"/>
           <p:cNvSpPr>
             <a:spLocks noGrp="1"/>
           </p:cNvSpPr>
@@ -287,13 +265,7 @@
       </p:sp>
       <p:sp>
         <p:nvSpPr>
-          <p:cNvPr id="6" name="Slide Number Placeholder 5">
-            <a:extLst>
-              <a:ext uri="{FF2B5EF4-FFF2-40B4-BE49-F238E27FC236}">
-                <a16:creationId xmlns:a16="http://schemas.microsoft.com/office/drawing/2014/main" id="{DF24B088-4EE2-532A-40EA-943E617A2C53}"/>
-              </a:ext>
-            </a:extLst>
-          </p:cNvPr>
+          <p:cNvPr id="6" name="Slide Number Placeholder 5"/>
           <p:cNvSpPr>
             <a:spLocks noGrp="1"/>
           </p:cNvSpPr>
@@ -317,7 +289,7 @@
     </p:spTree>
     <p:extLst>
       <p:ext uri="{BB962C8B-B14F-4D97-AF65-F5344CB8AC3E}">
-        <p14:creationId xmlns:p14="http://schemas.microsoft.com/office/powerpoint/2010/main" val="562984752"/>
+        <p14:creationId xmlns:p14="http://schemas.microsoft.com/office/powerpoint/2010/main" val="3384258188"/>
       </p:ext>
     </p:extLst>
   </p:cSld>
@@ -346,13 +318,7 @@
       </p:grpSpPr>
       <p:sp>
         <p:nvSpPr>
-          <p:cNvPr id="2" name="Title 1">
-            <a:extLst>
-              <a:ext uri="{FF2B5EF4-FFF2-40B4-BE49-F238E27FC236}">
-                <a16:creationId xmlns:a16="http://schemas.microsoft.com/office/drawing/2014/main" id="{D07F05F3-3C7A-4C14-E721-39FEF8CDA0CF}"/>
-              </a:ext>
-            </a:extLst>
-          </p:cNvPr>
+          <p:cNvPr id="2" name="Title 1"/>
           <p:cNvSpPr>
             <a:spLocks noGrp="1"/>
           </p:cNvSpPr>
@@ -369,18 +335,13 @@
               <a:rPr lang="en-US"/>
               <a:t>Click to edit Master title style</a:t>
             </a:r>
-          </a:p>
-        </p:txBody>
-      </p:sp>
-      <p:sp>
-        <p:nvSpPr>
-          <p:cNvPr id="3" name="Vertical Text Placeholder 2">
-            <a:extLst>
-              <a:ext uri="{FF2B5EF4-FFF2-40B4-BE49-F238E27FC236}">
-                <a16:creationId xmlns:a16="http://schemas.microsoft.com/office/drawing/2014/main" id="{8EA37316-CD47-3B73-FC3A-BD2CB98E0F1E}"/>
-              </a:ext>
-            </a:extLst>
-          </p:cNvPr>
+            <a:endParaRPr lang="en-US" dirty="0"/>
+          </a:p>
+        </p:txBody>
+      </p:sp>
+      <p:sp>
+        <p:nvSpPr>
+          <p:cNvPr id="3" name="Vertical Text Placeholder 2"/>
           <p:cNvSpPr>
             <a:spLocks noGrp="1"/>
           </p:cNvSpPr>
@@ -426,18 +387,13 @@
               <a:rPr lang="en-US"/>
               <a:t>Fifth level</a:t>
             </a:r>
-          </a:p>
-        </p:txBody>
-      </p:sp>
-      <p:sp>
-        <p:nvSpPr>
-          <p:cNvPr id="4" name="Date Placeholder 3">
-            <a:extLst>
-              <a:ext uri="{FF2B5EF4-FFF2-40B4-BE49-F238E27FC236}">
-                <a16:creationId xmlns:a16="http://schemas.microsoft.com/office/drawing/2014/main" id="{956D9D76-76C3-D538-DFBE-125E2E013173}"/>
-              </a:ext>
-            </a:extLst>
-          </p:cNvPr>
+            <a:endParaRPr lang="en-US" dirty="0"/>
+          </a:p>
+        </p:txBody>
+      </p:sp>
+      <p:sp>
+        <p:nvSpPr>
+          <p:cNvPr id="4" name="Date Placeholder 3"/>
           <p:cNvSpPr>
             <a:spLocks noGrp="1"/>
           </p:cNvSpPr>
@@ -460,13 +416,7 @@
       </p:sp>
       <p:sp>
         <p:nvSpPr>
-          <p:cNvPr id="5" name="Footer Placeholder 4">
-            <a:extLst>
-              <a:ext uri="{FF2B5EF4-FFF2-40B4-BE49-F238E27FC236}">
-                <a16:creationId xmlns:a16="http://schemas.microsoft.com/office/drawing/2014/main" id="{9BF5B35C-D323-71CA-969E-C7A99CED46F7}"/>
-              </a:ext>
-            </a:extLst>
-          </p:cNvPr>
+          <p:cNvPr id="5" name="Footer Placeholder 4"/>
           <p:cNvSpPr>
             <a:spLocks noGrp="1"/>
           </p:cNvSpPr>
@@ -485,13 +435,7 @@
       </p:sp>
       <p:sp>
         <p:nvSpPr>
-          <p:cNvPr id="6" name="Slide Number Placeholder 5">
-            <a:extLst>
-              <a:ext uri="{FF2B5EF4-FFF2-40B4-BE49-F238E27FC236}">
-                <a16:creationId xmlns:a16="http://schemas.microsoft.com/office/drawing/2014/main" id="{DE524593-4C25-E1E3-BCFE-A0962DFC6C16}"/>
-              </a:ext>
-            </a:extLst>
-          </p:cNvPr>
+          <p:cNvPr id="6" name="Slide Number Placeholder 5"/>
           <p:cNvSpPr>
             <a:spLocks noGrp="1"/>
           </p:cNvSpPr>
@@ -515,7 +459,7 @@
     </p:spTree>
     <p:extLst>
       <p:ext uri="{BB962C8B-B14F-4D97-AF65-F5344CB8AC3E}">
-        <p14:creationId xmlns:p14="http://schemas.microsoft.com/office/powerpoint/2010/main" val="473284068"/>
+        <p14:creationId xmlns:p14="http://schemas.microsoft.com/office/powerpoint/2010/main" val="1308534295"/>
       </p:ext>
     </p:extLst>
   </p:cSld>
@@ -544,13 +488,7 @@
       </p:grpSpPr>
       <p:sp>
         <p:nvSpPr>
-          <p:cNvPr id="2" name="Vertical Title 1">
-            <a:extLst>
-              <a:ext uri="{FF2B5EF4-FFF2-40B4-BE49-F238E27FC236}">
-                <a16:creationId xmlns:a16="http://schemas.microsoft.com/office/drawing/2014/main" id="{864666CD-CD4D-0F88-0730-6E1BCC1BD370}"/>
-              </a:ext>
-            </a:extLst>
-          </p:cNvPr>
+          <p:cNvPr id="2" name="Vertical Title 1"/>
           <p:cNvSpPr>
             <a:spLocks noGrp="1"/>
           </p:cNvSpPr>
@@ -572,18 +510,13 @@
               <a:rPr lang="en-US"/>
               <a:t>Click to edit Master title style</a:t>
             </a:r>
-          </a:p>
-        </p:txBody>
-      </p:sp>
-      <p:sp>
-        <p:nvSpPr>
-          <p:cNvPr id="3" name="Vertical Text Placeholder 2">
-            <a:extLst>
-              <a:ext uri="{FF2B5EF4-FFF2-40B4-BE49-F238E27FC236}">
-                <a16:creationId xmlns:a16="http://schemas.microsoft.com/office/drawing/2014/main" id="{5210B315-4233-FDAE-887C-1B72C2E10036}"/>
-              </a:ext>
-            </a:extLst>
-          </p:cNvPr>
+            <a:endParaRPr lang="en-US" dirty="0"/>
+          </a:p>
+        </p:txBody>
+      </p:sp>
+      <p:sp>
+        <p:nvSpPr>
+          <p:cNvPr id="3" name="Vertical Text Placeholder 2"/>
           <p:cNvSpPr>
             <a:spLocks noGrp="1"/>
           </p:cNvSpPr>
@@ -634,18 +567,13 @@
               <a:rPr lang="en-US"/>
               <a:t>Fifth level</a:t>
             </a:r>
-          </a:p>
-        </p:txBody>
-      </p:sp>
-      <p:sp>
-        <p:nvSpPr>
-          <p:cNvPr id="4" name="Date Placeholder 3">
-            <a:extLst>
-              <a:ext uri="{FF2B5EF4-FFF2-40B4-BE49-F238E27FC236}">
-                <a16:creationId xmlns:a16="http://schemas.microsoft.com/office/drawing/2014/main" id="{1C72F1CB-3E85-01EF-0427-CFA93FCBB062}"/>
-              </a:ext>
-            </a:extLst>
-          </p:cNvPr>
+            <a:endParaRPr lang="en-US" dirty="0"/>
+          </a:p>
+        </p:txBody>
+      </p:sp>
+      <p:sp>
+        <p:nvSpPr>
+          <p:cNvPr id="4" name="Date Placeholder 3"/>
           <p:cNvSpPr>
             <a:spLocks noGrp="1"/>
           </p:cNvSpPr>
@@ -668,13 +596,7 @@
       </p:sp>
       <p:sp>
         <p:nvSpPr>
-          <p:cNvPr id="5" name="Footer Placeholder 4">
-            <a:extLst>
-              <a:ext uri="{FF2B5EF4-FFF2-40B4-BE49-F238E27FC236}">
-                <a16:creationId xmlns:a16="http://schemas.microsoft.com/office/drawing/2014/main" id="{4F0C31E5-C6DF-68F4-5C91-E56D7F7AD53B}"/>
-              </a:ext>
-            </a:extLst>
-          </p:cNvPr>
+          <p:cNvPr id="5" name="Footer Placeholder 4"/>
           <p:cNvSpPr>
             <a:spLocks noGrp="1"/>
           </p:cNvSpPr>
@@ -693,13 +615,7 @@
       </p:sp>
       <p:sp>
         <p:nvSpPr>
-          <p:cNvPr id="6" name="Slide Number Placeholder 5">
-            <a:extLst>
-              <a:ext uri="{FF2B5EF4-FFF2-40B4-BE49-F238E27FC236}">
-                <a16:creationId xmlns:a16="http://schemas.microsoft.com/office/drawing/2014/main" id="{EB74E723-02A6-DFF3-C3DA-43C9B96C6DA2}"/>
-              </a:ext>
-            </a:extLst>
-          </p:cNvPr>
+          <p:cNvPr id="6" name="Slide Number Placeholder 5"/>
           <p:cNvSpPr>
             <a:spLocks noGrp="1"/>
           </p:cNvSpPr>
@@ -723,7 +639,7 @@
     </p:spTree>
     <p:extLst>
       <p:ext uri="{BB962C8B-B14F-4D97-AF65-F5344CB8AC3E}">
-        <p14:creationId xmlns:p14="http://schemas.microsoft.com/office/powerpoint/2010/main" val="2783561641"/>
+        <p14:creationId xmlns:p14="http://schemas.microsoft.com/office/powerpoint/2010/main" val="686218031"/>
       </p:ext>
     </p:extLst>
   </p:cSld>
@@ -752,13 +668,7 @@
       </p:grpSpPr>
       <p:sp>
         <p:nvSpPr>
-          <p:cNvPr id="2" name="Title 1">
-            <a:extLst>
-              <a:ext uri="{FF2B5EF4-FFF2-40B4-BE49-F238E27FC236}">
-                <a16:creationId xmlns:a16="http://schemas.microsoft.com/office/drawing/2014/main" id="{6E90AD46-BDD3-12B7-546F-F6386E025100}"/>
-              </a:ext>
-            </a:extLst>
-          </p:cNvPr>
+          <p:cNvPr id="2" name="Title 1"/>
           <p:cNvSpPr>
             <a:spLocks noGrp="1"/>
           </p:cNvSpPr>
@@ -775,18 +685,13 @@
               <a:rPr lang="en-US"/>
               <a:t>Click to edit Master title style</a:t>
             </a:r>
-          </a:p>
-        </p:txBody>
-      </p:sp>
-      <p:sp>
-        <p:nvSpPr>
-          <p:cNvPr id="3" name="Content Placeholder 2">
-            <a:extLst>
-              <a:ext uri="{FF2B5EF4-FFF2-40B4-BE49-F238E27FC236}">
-                <a16:creationId xmlns:a16="http://schemas.microsoft.com/office/drawing/2014/main" id="{87F6ED09-2C7F-21AC-4FF9-AA2D3EF1E6BE}"/>
-              </a:ext>
-            </a:extLst>
-          </p:cNvPr>
+            <a:endParaRPr lang="en-US" dirty="0"/>
+          </a:p>
+        </p:txBody>
+      </p:sp>
+      <p:sp>
+        <p:nvSpPr>
+          <p:cNvPr id="3" name="Content Placeholder 2"/>
           <p:cNvSpPr>
             <a:spLocks noGrp="1"/>
           </p:cNvSpPr>
@@ -832,18 +737,13 @@
               <a:rPr lang="en-US"/>
               <a:t>Fifth level</a:t>
             </a:r>
-          </a:p>
-        </p:txBody>
-      </p:sp>
-      <p:sp>
-        <p:nvSpPr>
-          <p:cNvPr id="4" name="Date Placeholder 3">
-            <a:extLst>
-              <a:ext uri="{FF2B5EF4-FFF2-40B4-BE49-F238E27FC236}">
-                <a16:creationId xmlns:a16="http://schemas.microsoft.com/office/drawing/2014/main" id="{69AB98DF-673C-8781-4278-05C173ED1F28}"/>
-              </a:ext>
-            </a:extLst>
-          </p:cNvPr>
+            <a:endParaRPr lang="en-US" dirty="0"/>
+          </a:p>
+        </p:txBody>
+      </p:sp>
+      <p:sp>
+        <p:nvSpPr>
+          <p:cNvPr id="4" name="Date Placeholder 3"/>
           <p:cNvSpPr>
             <a:spLocks noGrp="1"/>
           </p:cNvSpPr>
@@ -866,13 +766,7 @@
       </p:sp>
       <p:sp>
         <p:nvSpPr>
-          <p:cNvPr id="5" name="Footer Placeholder 4">
-            <a:extLst>
-              <a:ext uri="{FF2B5EF4-FFF2-40B4-BE49-F238E27FC236}">
-                <a16:creationId xmlns:a16="http://schemas.microsoft.com/office/drawing/2014/main" id="{4B9FA196-7AF7-AADF-5FAD-23ED8FF300CC}"/>
-              </a:ext>
-            </a:extLst>
-          </p:cNvPr>
+          <p:cNvPr id="5" name="Footer Placeholder 4"/>
           <p:cNvSpPr>
             <a:spLocks noGrp="1"/>
           </p:cNvSpPr>
@@ -891,13 +785,7 @@
       </p:sp>
       <p:sp>
         <p:nvSpPr>
-          <p:cNvPr id="6" name="Slide Number Placeholder 5">
-            <a:extLst>
-              <a:ext uri="{FF2B5EF4-FFF2-40B4-BE49-F238E27FC236}">
-                <a16:creationId xmlns:a16="http://schemas.microsoft.com/office/drawing/2014/main" id="{DA4A2A32-25AF-B0DB-3283-4D9DE2F7C058}"/>
-              </a:ext>
-            </a:extLst>
-          </p:cNvPr>
+          <p:cNvPr id="6" name="Slide Number Placeholder 5"/>
           <p:cNvSpPr>
             <a:spLocks noGrp="1"/>
           </p:cNvSpPr>
@@ -921,7 +809,7 @@
     </p:spTree>
     <p:extLst>
       <p:ext uri="{BB962C8B-B14F-4D97-AF65-F5344CB8AC3E}">
-        <p14:creationId xmlns:p14="http://schemas.microsoft.com/office/powerpoint/2010/main" val="3529060637"/>
+        <p14:creationId xmlns:p14="http://schemas.microsoft.com/office/powerpoint/2010/main" val="330604907"/>
       </p:ext>
     </p:extLst>
   </p:cSld>
@@ -950,13 +838,7 @@
       </p:grpSpPr>
       <p:sp>
         <p:nvSpPr>
-          <p:cNvPr id="2" name="Title 1">
-            <a:extLst>
-              <a:ext uri="{FF2B5EF4-FFF2-40B4-BE49-F238E27FC236}">
-                <a16:creationId xmlns:a16="http://schemas.microsoft.com/office/drawing/2014/main" id="{558525A5-FA00-1A15-1821-761F52A1EAC2}"/>
-              </a:ext>
-            </a:extLst>
-          </p:cNvPr>
+          <p:cNvPr id="2" name="Title 1"/>
           <p:cNvSpPr>
             <a:spLocks noGrp="1"/>
           </p:cNvSpPr>
@@ -982,18 +864,13 @@
               <a:rPr lang="en-US"/>
               <a:t>Click to edit Master title style</a:t>
             </a:r>
-          </a:p>
-        </p:txBody>
-      </p:sp>
-      <p:sp>
-        <p:nvSpPr>
-          <p:cNvPr id="3" name="Text Placeholder 2">
-            <a:extLst>
-              <a:ext uri="{FF2B5EF4-FFF2-40B4-BE49-F238E27FC236}">
-                <a16:creationId xmlns:a16="http://schemas.microsoft.com/office/drawing/2014/main" id="{9F3FE9C3-2CEF-554D-9AC4-76751FAEED30}"/>
-              </a:ext>
-            </a:extLst>
-          </p:cNvPr>
+            <a:endParaRPr lang="en-US" dirty="0"/>
+          </a:p>
+        </p:txBody>
+      </p:sp>
+      <p:sp>
+        <p:nvSpPr>
+          <p:cNvPr id="3" name="Text Placeholder 2"/>
           <p:cNvSpPr>
             <a:spLocks noGrp="1"/>
           </p:cNvSpPr>
@@ -1015,7 +892,7 @@
               <a:defRPr sz="2400">
                 <a:solidFill>
                   <a:schemeClr val="tx1">
-                    <a:tint val="82000"/>
+                    <a:tint val="75000"/>
                   </a:schemeClr>
                 </a:solidFill>
               </a:defRPr>
@@ -1025,7 +902,7 @@
               <a:defRPr sz="2000">
                 <a:solidFill>
                   <a:schemeClr val="tx1">
-                    <a:tint val="82000"/>
+                    <a:tint val="75000"/>
                   </a:schemeClr>
                 </a:solidFill>
               </a:defRPr>
@@ -1035,7 +912,7 @@
               <a:defRPr sz="1800">
                 <a:solidFill>
                   <a:schemeClr val="tx1">
-                    <a:tint val="82000"/>
+                    <a:tint val="75000"/>
                   </a:schemeClr>
                 </a:solidFill>
               </a:defRPr>
@@ -1045,7 +922,7 @@
               <a:defRPr sz="1600">
                 <a:solidFill>
                   <a:schemeClr val="tx1">
-                    <a:tint val="82000"/>
+                    <a:tint val="75000"/>
                   </a:schemeClr>
                 </a:solidFill>
               </a:defRPr>
@@ -1055,7 +932,7 @@
               <a:defRPr sz="1600">
                 <a:solidFill>
                   <a:schemeClr val="tx1">
-                    <a:tint val="82000"/>
+                    <a:tint val="75000"/>
                   </a:schemeClr>
                 </a:solidFill>
               </a:defRPr>
@@ -1065,7 +942,7 @@
               <a:defRPr sz="1600">
                 <a:solidFill>
                   <a:schemeClr val="tx1">
-                    <a:tint val="82000"/>
+                    <a:tint val="75000"/>
                   </a:schemeClr>
                 </a:solidFill>
               </a:defRPr>
@@ -1075,7 +952,7 @@
               <a:defRPr sz="1600">
                 <a:solidFill>
                   <a:schemeClr val="tx1">
-                    <a:tint val="82000"/>
+                    <a:tint val="75000"/>
                   </a:schemeClr>
                 </a:solidFill>
               </a:defRPr>
@@ -1085,7 +962,7 @@
               <a:defRPr sz="1600">
                 <a:solidFill>
                   <a:schemeClr val="tx1">
-                    <a:tint val="82000"/>
+                    <a:tint val="75000"/>
                   </a:schemeClr>
                 </a:solidFill>
               </a:defRPr>
@@ -1095,7 +972,7 @@
               <a:defRPr sz="1600">
                 <a:solidFill>
                   <a:schemeClr val="tx1">
-                    <a:tint val="82000"/>
+                    <a:tint val="75000"/>
                   </a:schemeClr>
                 </a:solidFill>
               </a:defRPr>
@@ -1112,13 +989,7 @@
       </p:sp>
       <p:sp>
         <p:nvSpPr>
-          <p:cNvPr id="4" name="Date Placeholder 3">
-            <a:extLst>
-              <a:ext uri="{FF2B5EF4-FFF2-40B4-BE49-F238E27FC236}">
-                <a16:creationId xmlns:a16="http://schemas.microsoft.com/office/drawing/2014/main" id="{0BE76389-35A5-C275-BE33-EFF15E0B87B8}"/>
-              </a:ext>
-            </a:extLst>
-          </p:cNvPr>
+          <p:cNvPr id="4" name="Date Placeholder 3"/>
           <p:cNvSpPr>
             <a:spLocks noGrp="1"/>
           </p:cNvSpPr>
@@ -1141,13 +1012,7 @@
       </p:sp>
       <p:sp>
         <p:nvSpPr>
-          <p:cNvPr id="5" name="Footer Placeholder 4">
-            <a:extLst>
-              <a:ext uri="{FF2B5EF4-FFF2-40B4-BE49-F238E27FC236}">
-                <a16:creationId xmlns:a16="http://schemas.microsoft.com/office/drawing/2014/main" id="{4BE0B2DE-7DD7-B2CE-63D8-10F8ECF56387}"/>
-              </a:ext>
-            </a:extLst>
-          </p:cNvPr>
+          <p:cNvPr id="5" name="Footer Placeholder 4"/>
           <p:cNvSpPr>
             <a:spLocks noGrp="1"/>
           </p:cNvSpPr>
@@ -1166,13 +1031,7 @@
       </p:sp>
       <p:sp>
         <p:nvSpPr>
-          <p:cNvPr id="6" name="Slide Number Placeholder 5">
-            <a:extLst>
-              <a:ext uri="{FF2B5EF4-FFF2-40B4-BE49-F238E27FC236}">
-                <a16:creationId xmlns:a16="http://schemas.microsoft.com/office/drawing/2014/main" id="{FCEAC9F8-22F3-3608-F97F-A7DB2A6EF946}"/>
-              </a:ext>
-            </a:extLst>
-          </p:cNvPr>
+          <p:cNvPr id="6" name="Slide Number Placeholder 5"/>
           <p:cNvSpPr>
             <a:spLocks noGrp="1"/>
           </p:cNvSpPr>
@@ -1196,7 +1055,7 @@
     </p:spTree>
     <p:extLst>
       <p:ext uri="{BB962C8B-B14F-4D97-AF65-F5344CB8AC3E}">
-        <p14:creationId xmlns:p14="http://schemas.microsoft.com/office/powerpoint/2010/main" val="528520175"/>
+        <p14:creationId xmlns:p14="http://schemas.microsoft.com/office/powerpoint/2010/main" val="2900777726"/>
       </p:ext>
     </p:extLst>
   </p:cSld>
@@ -1225,13 +1084,7 @@
       </p:grpSpPr>
       <p:sp>
         <p:nvSpPr>
-          <p:cNvPr id="2" name="Title 1">
-            <a:extLst>
-              <a:ext uri="{FF2B5EF4-FFF2-40B4-BE49-F238E27FC236}">
-                <a16:creationId xmlns:a16="http://schemas.microsoft.com/office/drawing/2014/main" id="{70559DBC-0987-9FCE-7DF8-B390BDB241D1}"/>
-              </a:ext>
-            </a:extLst>
-          </p:cNvPr>
+          <p:cNvPr id="2" name="Title 1"/>
           <p:cNvSpPr>
             <a:spLocks noGrp="1"/>
           </p:cNvSpPr>
@@ -1248,18 +1101,13 @@
               <a:rPr lang="en-US"/>
               <a:t>Click to edit Master title style</a:t>
             </a:r>
-          </a:p>
-        </p:txBody>
-      </p:sp>
-      <p:sp>
-        <p:nvSpPr>
-          <p:cNvPr id="3" name="Content Placeholder 2">
-            <a:extLst>
-              <a:ext uri="{FF2B5EF4-FFF2-40B4-BE49-F238E27FC236}">
-                <a16:creationId xmlns:a16="http://schemas.microsoft.com/office/drawing/2014/main" id="{B396EB8B-20FF-FFB6-3DFE-C8FAC24BDC98}"/>
-              </a:ext>
-            </a:extLst>
-          </p:cNvPr>
+            <a:endParaRPr lang="en-US" dirty="0"/>
+          </a:p>
+        </p:txBody>
+      </p:sp>
+      <p:sp>
+        <p:nvSpPr>
+          <p:cNvPr id="3" name="Content Placeholder 2"/>
           <p:cNvSpPr>
             <a:spLocks noGrp="1"/>
           </p:cNvSpPr>
@@ -1310,18 +1158,13 @@
               <a:rPr lang="en-US"/>
               <a:t>Fifth level</a:t>
             </a:r>
-          </a:p>
-        </p:txBody>
-      </p:sp>
-      <p:sp>
-        <p:nvSpPr>
-          <p:cNvPr id="4" name="Content Placeholder 3">
-            <a:extLst>
-              <a:ext uri="{FF2B5EF4-FFF2-40B4-BE49-F238E27FC236}">
-                <a16:creationId xmlns:a16="http://schemas.microsoft.com/office/drawing/2014/main" id="{80035E98-1C39-A5CD-F3F5-2954FF357CC2}"/>
-              </a:ext>
-            </a:extLst>
-          </p:cNvPr>
+            <a:endParaRPr lang="en-US" dirty="0"/>
+          </a:p>
+        </p:txBody>
+      </p:sp>
+      <p:sp>
+        <p:nvSpPr>
+          <p:cNvPr id="4" name="Content Placeholder 3"/>
           <p:cNvSpPr>
             <a:spLocks noGrp="1"/>
           </p:cNvSpPr>
@@ -1372,18 +1215,13 @@
               <a:rPr lang="en-US"/>
               <a:t>Fifth level</a:t>
             </a:r>
-          </a:p>
-        </p:txBody>
-      </p:sp>
-      <p:sp>
-        <p:nvSpPr>
-          <p:cNvPr id="5" name="Date Placeholder 4">
-            <a:extLst>
-              <a:ext uri="{FF2B5EF4-FFF2-40B4-BE49-F238E27FC236}">
-                <a16:creationId xmlns:a16="http://schemas.microsoft.com/office/drawing/2014/main" id="{A809F5C4-7229-5EB2-FDF1-8577886A71E6}"/>
-              </a:ext>
-            </a:extLst>
-          </p:cNvPr>
+            <a:endParaRPr lang="en-US" dirty="0"/>
+          </a:p>
+        </p:txBody>
+      </p:sp>
+      <p:sp>
+        <p:nvSpPr>
+          <p:cNvPr id="5" name="Date Placeholder 4"/>
           <p:cNvSpPr>
             <a:spLocks noGrp="1"/>
           </p:cNvSpPr>
@@ -1406,13 +1244,7 @@
       </p:sp>
       <p:sp>
         <p:nvSpPr>
-          <p:cNvPr id="6" name="Footer Placeholder 5">
-            <a:extLst>
-              <a:ext uri="{FF2B5EF4-FFF2-40B4-BE49-F238E27FC236}">
-                <a16:creationId xmlns:a16="http://schemas.microsoft.com/office/drawing/2014/main" id="{1B758FD1-B545-F4E7-D087-C6920F9EB7F0}"/>
-              </a:ext>
-            </a:extLst>
-          </p:cNvPr>
+          <p:cNvPr id="6" name="Footer Placeholder 5"/>
           <p:cNvSpPr>
             <a:spLocks noGrp="1"/>
           </p:cNvSpPr>
@@ -1431,13 +1263,7 @@
       </p:sp>
       <p:sp>
         <p:nvSpPr>
-          <p:cNvPr id="7" name="Slide Number Placeholder 6">
-            <a:extLst>
-              <a:ext uri="{FF2B5EF4-FFF2-40B4-BE49-F238E27FC236}">
-                <a16:creationId xmlns:a16="http://schemas.microsoft.com/office/drawing/2014/main" id="{84DB2989-6966-DD8D-6483-9A140F40C4E6}"/>
-              </a:ext>
-            </a:extLst>
-          </p:cNvPr>
+          <p:cNvPr id="7" name="Slide Number Placeholder 6"/>
           <p:cNvSpPr>
             <a:spLocks noGrp="1"/>
           </p:cNvSpPr>
@@ -1461,7 +1287,7 @@
     </p:spTree>
     <p:extLst>
       <p:ext uri="{BB962C8B-B14F-4D97-AF65-F5344CB8AC3E}">
-        <p14:creationId xmlns:p14="http://schemas.microsoft.com/office/powerpoint/2010/main" val="2159482417"/>
+        <p14:creationId xmlns:p14="http://schemas.microsoft.com/office/powerpoint/2010/main" val="2690394443"/>
       </p:ext>
     </p:extLst>
   </p:cSld>
@@ -1490,13 +1316,7 @@
       </p:grpSpPr>
       <p:sp>
         <p:nvSpPr>
-          <p:cNvPr id="2" name="Title 1">
-            <a:extLst>
-              <a:ext uri="{FF2B5EF4-FFF2-40B4-BE49-F238E27FC236}">
-                <a16:creationId xmlns:a16="http://schemas.microsoft.com/office/drawing/2014/main" id="{8E8DC669-AA22-0009-870E-3932F3C4014A}"/>
-              </a:ext>
-            </a:extLst>
-          </p:cNvPr>
+          <p:cNvPr id="2" name="Title 1"/>
           <p:cNvSpPr>
             <a:spLocks noGrp="1"/>
           </p:cNvSpPr>
@@ -1518,18 +1338,13 @@
               <a:rPr lang="en-US"/>
               <a:t>Click to edit Master title style</a:t>
             </a:r>
-          </a:p>
-        </p:txBody>
-      </p:sp>
-      <p:sp>
-        <p:nvSpPr>
-          <p:cNvPr id="3" name="Text Placeholder 2">
-            <a:extLst>
-              <a:ext uri="{FF2B5EF4-FFF2-40B4-BE49-F238E27FC236}">
-                <a16:creationId xmlns:a16="http://schemas.microsoft.com/office/drawing/2014/main" id="{61EA3FB4-7F26-02EC-D6CD-53CD63EFBAB0}"/>
-              </a:ext>
-            </a:extLst>
-          </p:cNvPr>
+            <a:endParaRPr lang="en-US" dirty="0"/>
+          </a:p>
+        </p:txBody>
+      </p:sp>
+      <p:sp>
+        <p:nvSpPr>
+          <p:cNvPr id="3" name="Text Placeholder 2"/>
           <p:cNvSpPr>
             <a:spLocks noGrp="1"/>
           </p:cNvSpPr>
@@ -1594,13 +1409,7 @@
       </p:sp>
       <p:sp>
         <p:nvSpPr>
-          <p:cNvPr id="4" name="Content Placeholder 3">
-            <a:extLst>
-              <a:ext uri="{FF2B5EF4-FFF2-40B4-BE49-F238E27FC236}">
-                <a16:creationId xmlns:a16="http://schemas.microsoft.com/office/drawing/2014/main" id="{C010B643-265D-4208-22E1-50B35FA4E6C7}"/>
-              </a:ext>
-            </a:extLst>
-          </p:cNvPr>
+          <p:cNvPr id="4" name="Content Placeholder 3"/>
           <p:cNvSpPr>
             <a:spLocks noGrp="1"/>
           </p:cNvSpPr>
@@ -1651,18 +1460,13 @@
               <a:rPr lang="en-US"/>
               <a:t>Fifth level</a:t>
             </a:r>
-          </a:p>
-        </p:txBody>
-      </p:sp>
-      <p:sp>
-        <p:nvSpPr>
-          <p:cNvPr id="5" name="Text Placeholder 4">
-            <a:extLst>
-              <a:ext uri="{FF2B5EF4-FFF2-40B4-BE49-F238E27FC236}">
-                <a16:creationId xmlns:a16="http://schemas.microsoft.com/office/drawing/2014/main" id="{CAAA2D96-04C4-743E-EC87-B622410676FE}"/>
-              </a:ext>
-            </a:extLst>
-          </p:cNvPr>
+            <a:endParaRPr lang="en-US" dirty="0"/>
+          </a:p>
+        </p:txBody>
+      </p:sp>
+      <p:sp>
+        <p:nvSpPr>
+          <p:cNvPr id="5" name="Text Placeholder 4"/>
           <p:cNvSpPr>
             <a:spLocks noGrp="1"/>
           </p:cNvSpPr>
@@ -1727,13 +1531,7 @@
       </p:sp>
       <p:sp>
         <p:nvSpPr>
-          <p:cNvPr id="6" name="Content Placeholder 5">
-            <a:extLst>
-              <a:ext uri="{FF2B5EF4-FFF2-40B4-BE49-F238E27FC236}">
-                <a16:creationId xmlns:a16="http://schemas.microsoft.com/office/drawing/2014/main" id="{E73C9A08-E78D-9167-39B8-1E7F49232503}"/>
-              </a:ext>
-            </a:extLst>
-          </p:cNvPr>
+          <p:cNvPr id="6" name="Content Placeholder 5"/>
           <p:cNvSpPr>
             <a:spLocks noGrp="1"/>
           </p:cNvSpPr>
@@ -1784,18 +1582,13 @@
               <a:rPr lang="en-US"/>
               <a:t>Fifth level</a:t>
             </a:r>
-          </a:p>
-        </p:txBody>
-      </p:sp>
-      <p:sp>
-        <p:nvSpPr>
-          <p:cNvPr id="7" name="Date Placeholder 6">
-            <a:extLst>
-              <a:ext uri="{FF2B5EF4-FFF2-40B4-BE49-F238E27FC236}">
-                <a16:creationId xmlns:a16="http://schemas.microsoft.com/office/drawing/2014/main" id="{D2717B9F-1C9F-B0E1-50A2-889C107D72AC}"/>
-              </a:ext>
-            </a:extLst>
-          </p:cNvPr>
+            <a:endParaRPr lang="en-US" dirty="0"/>
+          </a:p>
+        </p:txBody>
+      </p:sp>
+      <p:sp>
+        <p:nvSpPr>
+          <p:cNvPr id="7" name="Date Placeholder 6"/>
           <p:cNvSpPr>
             <a:spLocks noGrp="1"/>
           </p:cNvSpPr>
@@ -1818,13 +1611,7 @@
       </p:sp>
       <p:sp>
         <p:nvSpPr>
-          <p:cNvPr id="8" name="Footer Placeholder 7">
-            <a:extLst>
-              <a:ext uri="{FF2B5EF4-FFF2-40B4-BE49-F238E27FC236}">
-                <a16:creationId xmlns:a16="http://schemas.microsoft.com/office/drawing/2014/main" id="{622D1B5C-3525-68DC-196E-9ECBCD07A64B}"/>
-              </a:ext>
-            </a:extLst>
-          </p:cNvPr>
+          <p:cNvPr id="8" name="Footer Placeholder 7"/>
           <p:cNvSpPr>
             <a:spLocks noGrp="1"/>
           </p:cNvSpPr>
@@ -1843,13 +1630,7 @@
       </p:sp>
       <p:sp>
         <p:nvSpPr>
-          <p:cNvPr id="9" name="Slide Number Placeholder 8">
-            <a:extLst>
-              <a:ext uri="{FF2B5EF4-FFF2-40B4-BE49-F238E27FC236}">
-                <a16:creationId xmlns:a16="http://schemas.microsoft.com/office/drawing/2014/main" id="{67975495-349D-B0BA-1AEE-6508BC010D38}"/>
-              </a:ext>
-            </a:extLst>
-          </p:cNvPr>
+          <p:cNvPr id="9" name="Slide Number Placeholder 8"/>
           <p:cNvSpPr>
             <a:spLocks noGrp="1"/>
           </p:cNvSpPr>
@@ -1873,7 +1654,7 @@
     </p:spTree>
     <p:extLst>
       <p:ext uri="{BB962C8B-B14F-4D97-AF65-F5344CB8AC3E}">
-        <p14:creationId xmlns:p14="http://schemas.microsoft.com/office/powerpoint/2010/main" val="1172622348"/>
+        <p14:creationId xmlns:p14="http://schemas.microsoft.com/office/powerpoint/2010/main" val="972551010"/>
       </p:ext>
     </p:extLst>
   </p:cSld>
@@ -1902,13 +1683,7 @@
       </p:grpSpPr>
       <p:sp>
         <p:nvSpPr>
-          <p:cNvPr id="2" name="Title 1">
-            <a:extLst>
-              <a:ext uri="{FF2B5EF4-FFF2-40B4-BE49-F238E27FC236}">
-                <a16:creationId xmlns:a16="http://schemas.microsoft.com/office/drawing/2014/main" id="{2D704F25-ACEC-E183-5E6B-BFAF20DF83C5}"/>
-              </a:ext>
-            </a:extLst>
-          </p:cNvPr>
+          <p:cNvPr id="2" name="Title 1"/>
           <p:cNvSpPr>
             <a:spLocks noGrp="1"/>
           </p:cNvSpPr>
@@ -1925,18 +1700,13 @@
               <a:rPr lang="en-US"/>
               <a:t>Click to edit Master title style</a:t>
             </a:r>
-          </a:p>
-        </p:txBody>
-      </p:sp>
-      <p:sp>
-        <p:nvSpPr>
-          <p:cNvPr id="3" name="Date Placeholder 2">
-            <a:extLst>
-              <a:ext uri="{FF2B5EF4-FFF2-40B4-BE49-F238E27FC236}">
-                <a16:creationId xmlns:a16="http://schemas.microsoft.com/office/drawing/2014/main" id="{40B701AC-B122-C07A-CCC7-55015C17CBAB}"/>
-              </a:ext>
-            </a:extLst>
-          </p:cNvPr>
+            <a:endParaRPr lang="en-US" dirty="0"/>
+          </a:p>
+        </p:txBody>
+      </p:sp>
+      <p:sp>
+        <p:nvSpPr>
+          <p:cNvPr id="3" name="Date Placeholder 2"/>
           <p:cNvSpPr>
             <a:spLocks noGrp="1"/>
           </p:cNvSpPr>
@@ -1959,13 +1729,7 @@
       </p:sp>
       <p:sp>
         <p:nvSpPr>
-          <p:cNvPr id="4" name="Footer Placeholder 3">
-            <a:extLst>
-              <a:ext uri="{FF2B5EF4-FFF2-40B4-BE49-F238E27FC236}">
-                <a16:creationId xmlns:a16="http://schemas.microsoft.com/office/drawing/2014/main" id="{2D2EF12C-0737-C54C-FE7A-3DF5A4A9EA35}"/>
-              </a:ext>
-            </a:extLst>
-          </p:cNvPr>
+          <p:cNvPr id="4" name="Footer Placeholder 3"/>
           <p:cNvSpPr>
             <a:spLocks noGrp="1"/>
           </p:cNvSpPr>
@@ -1984,13 +1748,7 @@
       </p:sp>
       <p:sp>
         <p:nvSpPr>
-          <p:cNvPr id="5" name="Slide Number Placeholder 4">
-            <a:extLst>
-              <a:ext uri="{FF2B5EF4-FFF2-40B4-BE49-F238E27FC236}">
-                <a16:creationId xmlns:a16="http://schemas.microsoft.com/office/drawing/2014/main" id="{F1C8F1B3-7A2D-0523-84FE-F0F628B35E03}"/>
-              </a:ext>
-            </a:extLst>
-          </p:cNvPr>
+          <p:cNvPr id="5" name="Slide Number Placeholder 4"/>
           <p:cNvSpPr>
             <a:spLocks noGrp="1"/>
           </p:cNvSpPr>
@@ -2014,7 +1772,7 @@
     </p:spTree>
     <p:extLst>
       <p:ext uri="{BB962C8B-B14F-4D97-AF65-F5344CB8AC3E}">
-        <p14:creationId xmlns:p14="http://schemas.microsoft.com/office/powerpoint/2010/main" val="1851896254"/>
+        <p14:creationId xmlns:p14="http://schemas.microsoft.com/office/powerpoint/2010/main" val="97982650"/>
       </p:ext>
     </p:extLst>
   </p:cSld>
@@ -2043,13 +1801,7 @@
       </p:grpSpPr>
       <p:sp>
         <p:nvSpPr>
-          <p:cNvPr id="2" name="Date Placeholder 1">
-            <a:extLst>
-              <a:ext uri="{FF2B5EF4-FFF2-40B4-BE49-F238E27FC236}">
-                <a16:creationId xmlns:a16="http://schemas.microsoft.com/office/drawing/2014/main" id="{D011F6E7-D87A-EFF7-A01F-70B18969B218}"/>
-              </a:ext>
-            </a:extLst>
-          </p:cNvPr>
+          <p:cNvPr id="2" name="Date Placeholder 1"/>
           <p:cNvSpPr>
             <a:spLocks noGrp="1"/>
           </p:cNvSpPr>
@@ -2072,13 +1824,7 @@
       </p:sp>
       <p:sp>
         <p:nvSpPr>
-          <p:cNvPr id="3" name="Footer Placeholder 2">
-            <a:extLst>
-              <a:ext uri="{FF2B5EF4-FFF2-40B4-BE49-F238E27FC236}">
-                <a16:creationId xmlns:a16="http://schemas.microsoft.com/office/drawing/2014/main" id="{1E76CC94-80A1-4BE6-B317-9AE567A20346}"/>
-              </a:ext>
-            </a:extLst>
-          </p:cNvPr>
+          <p:cNvPr id="3" name="Footer Placeholder 2"/>
           <p:cNvSpPr>
             <a:spLocks noGrp="1"/>
           </p:cNvSpPr>
@@ -2097,13 +1843,7 @@
       </p:sp>
       <p:sp>
         <p:nvSpPr>
-          <p:cNvPr id="4" name="Slide Number Placeholder 3">
-            <a:extLst>
-              <a:ext uri="{FF2B5EF4-FFF2-40B4-BE49-F238E27FC236}">
-                <a16:creationId xmlns:a16="http://schemas.microsoft.com/office/drawing/2014/main" id="{9FD9FE1E-D944-AAD6-5D42-26A76132E063}"/>
-              </a:ext>
-            </a:extLst>
-          </p:cNvPr>
+          <p:cNvPr id="4" name="Slide Number Placeholder 3"/>
           <p:cNvSpPr>
             <a:spLocks noGrp="1"/>
           </p:cNvSpPr>
@@ -2127,7 +1867,7 @@
     </p:spTree>
     <p:extLst>
       <p:ext uri="{BB962C8B-B14F-4D97-AF65-F5344CB8AC3E}">
-        <p14:creationId xmlns:p14="http://schemas.microsoft.com/office/powerpoint/2010/main" val="2244276156"/>
+        <p14:creationId xmlns:p14="http://schemas.microsoft.com/office/powerpoint/2010/main" val="1158350160"/>
       </p:ext>
     </p:extLst>
   </p:cSld>
@@ -2156,13 +1896,7 @@
       </p:grpSpPr>
       <p:sp>
         <p:nvSpPr>
-          <p:cNvPr id="2" name="Title 1">
-            <a:extLst>
-              <a:ext uri="{FF2B5EF4-FFF2-40B4-BE49-F238E27FC236}">
-                <a16:creationId xmlns:a16="http://schemas.microsoft.com/office/drawing/2014/main" id="{8AB0A346-9D50-B050-6EC2-D4FCAEC18985}"/>
-              </a:ext>
-            </a:extLst>
-          </p:cNvPr>
+          <p:cNvPr id="2" name="Title 1"/>
           <p:cNvSpPr>
             <a:spLocks noGrp="1"/>
           </p:cNvSpPr>
@@ -2188,18 +1922,13 @@
               <a:rPr lang="en-US"/>
               <a:t>Click to edit Master title style</a:t>
             </a:r>
-          </a:p>
-        </p:txBody>
-      </p:sp>
-      <p:sp>
-        <p:nvSpPr>
-          <p:cNvPr id="3" name="Content Placeholder 2">
-            <a:extLst>
-              <a:ext uri="{FF2B5EF4-FFF2-40B4-BE49-F238E27FC236}">
-                <a16:creationId xmlns:a16="http://schemas.microsoft.com/office/drawing/2014/main" id="{925B1880-79B6-A373-F841-EFD9F10E8831}"/>
-              </a:ext>
-            </a:extLst>
-          </p:cNvPr>
+            <a:endParaRPr lang="en-US" dirty="0"/>
+          </a:p>
+        </p:txBody>
+      </p:sp>
+      <p:sp>
+        <p:nvSpPr>
+          <p:cNvPr id="3" name="Content Placeholder 2"/>
           <p:cNvSpPr>
             <a:spLocks noGrp="1"/>
           </p:cNvSpPr>
@@ -2278,18 +2007,13 @@
               <a:rPr lang="en-US"/>
               <a:t>Fifth level</a:t>
             </a:r>
-          </a:p>
-        </p:txBody>
-      </p:sp>
-      <p:sp>
-        <p:nvSpPr>
-          <p:cNvPr id="4" name="Text Placeholder 3">
-            <a:extLst>
-              <a:ext uri="{FF2B5EF4-FFF2-40B4-BE49-F238E27FC236}">
-                <a16:creationId xmlns:a16="http://schemas.microsoft.com/office/drawing/2014/main" id="{BE704596-5C83-14D7-E737-A8540F5A5D07}"/>
-              </a:ext>
-            </a:extLst>
-          </p:cNvPr>
+            <a:endParaRPr lang="en-US" dirty="0"/>
+          </a:p>
+        </p:txBody>
+      </p:sp>
+      <p:sp>
+        <p:nvSpPr>
+          <p:cNvPr id="4" name="Text Placeholder 3"/>
           <p:cNvSpPr>
             <a:spLocks noGrp="1"/>
           </p:cNvSpPr>
@@ -2354,13 +2078,7 @@
       </p:sp>
       <p:sp>
         <p:nvSpPr>
-          <p:cNvPr id="5" name="Date Placeholder 4">
-            <a:extLst>
-              <a:ext uri="{FF2B5EF4-FFF2-40B4-BE49-F238E27FC236}">
-                <a16:creationId xmlns:a16="http://schemas.microsoft.com/office/drawing/2014/main" id="{FD383ACD-BF54-A525-7B0B-4B93CAE386D7}"/>
-              </a:ext>
-            </a:extLst>
-          </p:cNvPr>
+          <p:cNvPr id="5" name="Date Placeholder 4"/>
           <p:cNvSpPr>
             <a:spLocks noGrp="1"/>
           </p:cNvSpPr>
@@ -2383,13 +2101,7 @@
       </p:sp>
       <p:sp>
         <p:nvSpPr>
-          <p:cNvPr id="6" name="Footer Placeholder 5">
-            <a:extLst>
-              <a:ext uri="{FF2B5EF4-FFF2-40B4-BE49-F238E27FC236}">
-                <a16:creationId xmlns:a16="http://schemas.microsoft.com/office/drawing/2014/main" id="{CE70FE04-FF7F-FF4E-F748-B17A505234E2}"/>
-              </a:ext>
-            </a:extLst>
-          </p:cNvPr>
+          <p:cNvPr id="6" name="Footer Placeholder 5"/>
           <p:cNvSpPr>
             <a:spLocks noGrp="1"/>
           </p:cNvSpPr>
@@ -2408,13 +2120,7 @@
       </p:sp>
       <p:sp>
         <p:nvSpPr>
-          <p:cNvPr id="7" name="Slide Number Placeholder 6">
-            <a:extLst>
-              <a:ext uri="{FF2B5EF4-FFF2-40B4-BE49-F238E27FC236}">
-                <a16:creationId xmlns:a16="http://schemas.microsoft.com/office/drawing/2014/main" id="{5F63E1B7-3ED1-F081-9734-16F81C575735}"/>
-              </a:ext>
-            </a:extLst>
-          </p:cNvPr>
+          <p:cNvPr id="7" name="Slide Number Placeholder 6"/>
           <p:cNvSpPr>
             <a:spLocks noGrp="1"/>
           </p:cNvSpPr>
@@ -2438,7 +2144,7 @@
     </p:spTree>
     <p:extLst>
       <p:ext uri="{BB962C8B-B14F-4D97-AF65-F5344CB8AC3E}">
-        <p14:creationId xmlns:p14="http://schemas.microsoft.com/office/powerpoint/2010/main" val="2236452300"/>
+        <p14:creationId xmlns:p14="http://schemas.microsoft.com/office/powerpoint/2010/main" val="4213339933"/>
       </p:ext>
     </p:extLst>
   </p:cSld>
@@ -2467,13 +2173,7 @@
       </p:grpSpPr>
       <p:sp>
         <p:nvSpPr>
-          <p:cNvPr id="2" name="Title 1">
-            <a:extLst>
-              <a:ext uri="{FF2B5EF4-FFF2-40B4-BE49-F238E27FC236}">
-                <a16:creationId xmlns:a16="http://schemas.microsoft.com/office/drawing/2014/main" id="{002CA94E-9CF4-68F1-CAFF-56E46EB5EDBC}"/>
-              </a:ext>
-            </a:extLst>
-          </p:cNvPr>
+          <p:cNvPr id="2" name="Title 1"/>
           <p:cNvSpPr>
             <a:spLocks noGrp="1"/>
           </p:cNvSpPr>
@@ -2499,20 +2199,15 @@
               <a:rPr lang="en-US"/>
               <a:t>Click to edit Master title style</a:t>
             </a:r>
-          </a:p>
-        </p:txBody>
-      </p:sp>
-      <p:sp>
-        <p:nvSpPr>
-          <p:cNvPr id="3" name="Picture Placeholder 2">
-            <a:extLst>
-              <a:ext uri="{FF2B5EF4-FFF2-40B4-BE49-F238E27FC236}">
-                <a16:creationId xmlns:a16="http://schemas.microsoft.com/office/drawing/2014/main" id="{33D1FA7E-18BF-CCA5-5E3D-B3A9A0D44512}"/>
-              </a:ext>
-            </a:extLst>
-          </p:cNvPr>
-          <p:cNvSpPr>
-            <a:spLocks noGrp="1"/>
+            <a:endParaRPr lang="en-US" dirty="0"/>
+          </a:p>
+        </p:txBody>
+      </p:sp>
+      <p:sp>
+        <p:nvSpPr>
+          <p:cNvPr id="3" name="Picture Placeholder 2"/>
+          <p:cNvSpPr>
+            <a:spLocks noGrp="1" noChangeAspect="1"/>
           </p:cNvSpPr>
           <p:nvPr>
             <p:ph type="pic" idx="1"/>
@@ -2525,7 +2220,7 @@
           </a:xfrm>
         </p:spPr>
         <p:txBody>
-          <a:bodyPr/>
+          <a:bodyPr anchor="t"/>
           <a:lstStyle>
             <a:lvl1pPr marL="0" indent="0">
               <a:buNone/>
@@ -2565,19 +2260,17 @@
             </a:lvl9pPr>
           </a:lstStyle>
           <a:p>
-            <a:endParaRPr lang="en-US"/>
-          </a:p>
-        </p:txBody>
-      </p:sp>
-      <p:sp>
-        <p:nvSpPr>
-          <p:cNvPr id="4" name="Text Placeholder 3">
-            <a:extLst>
-              <a:ext uri="{FF2B5EF4-FFF2-40B4-BE49-F238E27FC236}">
-                <a16:creationId xmlns:a16="http://schemas.microsoft.com/office/drawing/2014/main" id="{92C2372E-EB5D-6916-2662-DCBB81F5B4FA}"/>
-              </a:ext>
-            </a:extLst>
-          </p:cNvPr>
+            <a:r>
+              <a:rPr lang="en-US"/>
+              <a:t>Click icon to add picture</a:t>
+            </a:r>
+            <a:endParaRPr lang="en-US" dirty="0"/>
+          </a:p>
+        </p:txBody>
+      </p:sp>
+      <p:sp>
+        <p:nvSpPr>
+          <p:cNvPr id="4" name="Text Placeholder 3"/>
           <p:cNvSpPr>
             <a:spLocks noGrp="1"/>
           </p:cNvSpPr>
@@ -2642,13 +2335,7 @@
       </p:sp>
       <p:sp>
         <p:nvSpPr>
-          <p:cNvPr id="5" name="Date Placeholder 4">
-            <a:extLst>
-              <a:ext uri="{FF2B5EF4-FFF2-40B4-BE49-F238E27FC236}">
-                <a16:creationId xmlns:a16="http://schemas.microsoft.com/office/drawing/2014/main" id="{A458794D-95A0-D4DA-F29B-3EED57ADBC24}"/>
-              </a:ext>
-            </a:extLst>
-          </p:cNvPr>
+          <p:cNvPr id="5" name="Date Placeholder 4"/>
           <p:cNvSpPr>
             <a:spLocks noGrp="1"/>
           </p:cNvSpPr>
@@ -2671,13 +2358,7 @@
       </p:sp>
       <p:sp>
         <p:nvSpPr>
-          <p:cNvPr id="6" name="Footer Placeholder 5">
-            <a:extLst>
-              <a:ext uri="{FF2B5EF4-FFF2-40B4-BE49-F238E27FC236}">
-                <a16:creationId xmlns:a16="http://schemas.microsoft.com/office/drawing/2014/main" id="{E36BD90D-FA9C-CB90-9C14-0B6220B8E820}"/>
-              </a:ext>
-            </a:extLst>
-          </p:cNvPr>
+          <p:cNvPr id="6" name="Footer Placeholder 5"/>
           <p:cNvSpPr>
             <a:spLocks noGrp="1"/>
           </p:cNvSpPr>
@@ -2696,13 +2377,7 @@
       </p:sp>
       <p:sp>
         <p:nvSpPr>
-          <p:cNvPr id="7" name="Slide Number Placeholder 6">
-            <a:extLst>
-              <a:ext uri="{FF2B5EF4-FFF2-40B4-BE49-F238E27FC236}">
-                <a16:creationId xmlns:a16="http://schemas.microsoft.com/office/drawing/2014/main" id="{4B2CA62A-35FF-9A19-A881-AEBE7D5DC108}"/>
-              </a:ext>
-            </a:extLst>
-          </p:cNvPr>
+          <p:cNvPr id="7" name="Slide Number Placeholder 6"/>
           <p:cNvSpPr>
             <a:spLocks noGrp="1"/>
           </p:cNvSpPr>
@@ -2726,7 +2401,7 @@
     </p:spTree>
     <p:extLst>
       <p:ext uri="{BB962C8B-B14F-4D97-AF65-F5344CB8AC3E}">
-        <p14:creationId xmlns:p14="http://schemas.microsoft.com/office/powerpoint/2010/main" val="1816777453"/>
+        <p14:creationId xmlns:p14="http://schemas.microsoft.com/office/powerpoint/2010/main" val="2597307446"/>
       </p:ext>
     </p:extLst>
   </p:cSld>
@@ -2760,13 +2435,7 @@
       </p:grpSpPr>
       <p:sp>
         <p:nvSpPr>
-          <p:cNvPr id="2" name="Title Placeholder 1">
-            <a:extLst>
-              <a:ext uri="{FF2B5EF4-FFF2-40B4-BE49-F238E27FC236}">
-                <a16:creationId xmlns:a16="http://schemas.microsoft.com/office/drawing/2014/main" id="{436F478B-FFE2-CAC0-4C59-7E7A7E712BA9}"/>
-              </a:ext>
-            </a:extLst>
-          </p:cNvPr>
+          <p:cNvPr id="2" name="Title Placeholder 1"/>
           <p:cNvSpPr>
             <a:spLocks noGrp="1"/>
           </p:cNvSpPr>
@@ -2793,18 +2462,13 @@
               <a:rPr lang="en-US"/>
               <a:t>Click to edit Master title style</a:t>
             </a:r>
-          </a:p>
-        </p:txBody>
-      </p:sp>
-      <p:sp>
-        <p:nvSpPr>
-          <p:cNvPr id="3" name="Text Placeholder 2">
-            <a:extLst>
-              <a:ext uri="{FF2B5EF4-FFF2-40B4-BE49-F238E27FC236}">
-                <a16:creationId xmlns:a16="http://schemas.microsoft.com/office/drawing/2014/main" id="{405BCE66-4852-2B74-9BF4-A45874F27740}"/>
-              </a:ext>
-            </a:extLst>
-          </p:cNvPr>
+            <a:endParaRPr lang="en-US" dirty="0"/>
+          </a:p>
+        </p:txBody>
+      </p:sp>
+      <p:sp>
+        <p:nvSpPr>
+          <p:cNvPr id="3" name="Text Placeholder 2"/>
           <p:cNvSpPr>
             <a:spLocks noGrp="1"/>
           </p:cNvSpPr>
@@ -2860,18 +2524,13 @@
               <a:rPr lang="en-US"/>
               <a:t>Fifth level</a:t>
             </a:r>
-          </a:p>
-        </p:txBody>
-      </p:sp>
-      <p:sp>
-        <p:nvSpPr>
-          <p:cNvPr id="4" name="Date Placeholder 3">
-            <a:extLst>
-              <a:ext uri="{FF2B5EF4-FFF2-40B4-BE49-F238E27FC236}">
-                <a16:creationId xmlns:a16="http://schemas.microsoft.com/office/drawing/2014/main" id="{4FB1BAC0-A0BF-3387-13A0-A6B3547DCAD9}"/>
-              </a:ext>
-            </a:extLst>
-          </p:cNvPr>
+            <a:endParaRPr lang="en-US" dirty="0"/>
+          </a:p>
+        </p:txBody>
+      </p:sp>
+      <p:sp>
+        <p:nvSpPr>
+          <p:cNvPr id="4" name="Date Placeholder 3"/>
           <p:cNvSpPr>
             <a:spLocks noGrp="1"/>
           </p:cNvSpPr>
@@ -2895,7 +2554,7 @@
               <a:defRPr sz="1200">
                 <a:solidFill>
                   <a:schemeClr val="tx1">
-                    <a:tint val="82000"/>
+                    <a:tint val="75000"/>
                   </a:schemeClr>
                 </a:solidFill>
               </a:defRPr>
@@ -2912,13 +2571,7 @@
       </p:sp>
       <p:sp>
         <p:nvSpPr>
-          <p:cNvPr id="5" name="Footer Placeholder 4">
-            <a:extLst>
-              <a:ext uri="{FF2B5EF4-FFF2-40B4-BE49-F238E27FC236}">
-                <a16:creationId xmlns:a16="http://schemas.microsoft.com/office/drawing/2014/main" id="{4FD70A02-E534-3CC5-752A-6B7D650B1F24}"/>
-              </a:ext>
-            </a:extLst>
-          </p:cNvPr>
+          <p:cNvPr id="5" name="Footer Placeholder 4"/>
           <p:cNvSpPr>
             <a:spLocks noGrp="1"/>
           </p:cNvSpPr>
@@ -2942,7 +2595,7 @@
               <a:defRPr sz="1200">
                 <a:solidFill>
                   <a:schemeClr val="tx1">
-                    <a:tint val="82000"/>
+                    <a:tint val="75000"/>
                   </a:schemeClr>
                 </a:solidFill>
               </a:defRPr>
@@ -2955,13 +2608,7 @@
       </p:sp>
       <p:sp>
         <p:nvSpPr>
-          <p:cNvPr id="6" name="Slide Number Placeholder 5">
-            <a:extLst>
-              <a:ext uri="{FF2B5EF4-FFF2-40B4-BE49-F238E27FC236}">
-                <a16:creationId xmlns:a16="http://schemas.microsoft.com/office/drawing/2014/main" id="{8C7E7928-E19A-3739-ED6D-9A0016C42082}"/>
-              </a:ext>
-            </a:extLst>
-          </p:cNvPr>
+          <p:cNvPr id="6" name="Slide Number Placeholder 5"/>
           <p:cNvSpPr>
             <a:spLocks noGrp="1"/>
           </p:cNvSpPr>
@@ -2985,7 +2632,7 @@
               <a:defRPr sz="1200">
                 <a:solidFill>
                   <a:schemeClr val="tx1">
-                    <a:tint val="82000"/>
+                    <a:tint val="75000"/>
                   </a:schemeClr>
                 </a:solidFill>
               </a:defRPr>
@@ -3003,23 +2650,23 @@
     </p:spTree>
     <p:extLst>
       <p:ext uri="{BB962C8B-B14F-4D97-AF65-F5344CB8AC3E}">
-        <p14:creationId xmlns:p14="http://schemas.microsoft.com/office/powerpoint/2010/main" val="3774470830"/>
+        <p14:creationId xmlns:p14="http://schemas.microsoft.com/office/powerpoint/2010/main" val="610377728"/>
       </p:ext>
     </p:extLst>
   </p:cSld>
   <p:clrMap bg1="lt1" tx1="dk1" bg2="lt2" tx2="dk2" accent1="accent1" accent2="accent2" accent3="accent3" accent4="accent4" accent5="accent5" accent6="accent6" hlink="hlink" folHlink="folHlink"/>
   <p:sldLayoutIdLst>
-    <p:sldLayoutId id="2147483649" r:id="rId1"/>
-    <p:sldLayoutId id="2147483650" r:id="rId2"/>
-    <p:sldLayoutId id="2147483651" r:id="rId3"/>
-    <p:sldLayoutId id="2147483652" r:id="rId4"/>
-    <p:sldLayoutId id="2147483653" r:id="rId5"/>
-    <p:sldLayoutId id="2147483654" r:id="rId6"/>
-    <p:sldLayoutId id="2147483655" r:id="rId7"/>
-    <p:sldLayoutId id="2147483656" r:id="rId8"/>
-    <p:sldLayoutId id="2147483657" r:id="rId9"/>
-    <p:sldLayoutId id="2147483658" r:id="rId10"/>
-    <p:sldLayoutId id="2147483659" r:id="rId11"/>
+    <p:sldLayoutId id="2147483739" r:id="rId1"/>
+    <p:sldLayoutId id="2147483740" r:id="rId2"/>
+    <p:sldLayoutId id="2147483741" r:id="rId3"/>
+    <p:sldLayoutId id="2147483742" r:id="rId4"/>
+    <p:sldLayoutId id="2147483743" r:id="rId5"/>
+    <p:sldLayoutId id="2147483744" r:id="rId6"/>
+    <p:sldLayoutId id="2147483745" r:id="rId7"/>
+    <p:sldLayoutId id="2147483746" r:id="rId8"/>
+    <p:sldLayoutId id="2147483747" r:id="rId9"/>
+    <p:sldLayoutId id="2147483748" r:id="rId10"/>
+    <p:sldLayoutId id="2147483749" r:id="rId11"/>
   </p:sldLayoutIdLst>
   <p:txStyles>
     <p:titleStyle>
@@ -3329,66 +2976,6 @@
           <a:chExt cx="0" cy="0"/>
         </a:xfrm>
       </p:grpSpPr>
-      <p:sp useBgFill="1">
-        <p:nvSpPr>
-          <p:cNvPr id="9" name="Rectangle 8">
-            <a:extLst>
-              <a:ext uri="{FF2B5EF4-FFF2-40B4-BE49-F238E27FC236}">
-                <a16:creationId xmlns:a16="http://schemas.microsoft.com/office/drawing/2014/main" id="{F0AED851-54B9-4765-92D2-F0BE443BEC91}"/>
-              </a:ext>
-              <a:ext uri="{C183D7F6-B498-43B3-948B-1728B52AA6E4}">
-                <adec:decorative xmlns:adec="http://schemas.microsoft.com/office/drawing/2017/decorative" val="1"/>
-              </a:ext>
-            </a:extLst>
-          </p:cNvPr>
-          <p:cNvSpPr>
-            <a:spLocks noGrp="1" noRot="1" noChangeAspect="1" noMove="1" noResize="1" noEditPoints="1" noAdjustHandles="1" noChangeArrowheads="1" noChangeShapeType="1" noTextEdit="1"/>
-          </p:cNvSpPr>
-          <p:nvPr>
-            <p:extLst>
-              <p:ext uri="{386F3935-93C4-4BCD-93E2-E3B085C9AB24}">
-                <p16:designElem xmlns:p16="http://schemas.microsoft.com/office/powerpoint/2015/main" val="1"/>
-              </p:ext>
-            </p:extLst>
-          </p:nvPr>
-        </p:nvSpPr>
-        <p:spPr>
-          <a:xfrm>
-            <a:off x="0" y="0"/>
-            <a:ext cx="12191999" cy="6857365"/>
-          </a:xfrm>
-          <a:prstGeom prst="rect">
-            <a:avLst/>
-          </a:prstGeom>
-          <a:ln>
-            <a:noFill/>
-          </a:ln>
-        </p:spPr>
-        <p:style>
-          <a:lnRef idx="2">
-            <a:schemeClr val="accent1">
-              <a:shade val="50000"/>
-            </a:schemeClr>
-          </a:lnRef>
-          <a:fillRef idx="1">
-            <a:schemeClr val="accent1"/>
-          </a:fillRef>
-          <a:effectRef idx="0">
-            <a:schemeClr val="accent1"/>
-          </a:effectRef>
-          <a:fontRef idx="minor">
-            <a:schemeClr val="lt1"/>
-          </a:fontRef>
-        </p:style>
-        <p:txBody>
-          <a:bodyPr rtlCol="0" anchor="ctr"/>
-          <a:lstStyle/>
-          <a:p>
-            <a:pPr algn="ctr"/>
-            <a:endParaRPr lang="en-US"/>
-          </a:p>
-        </p:txBody>
-      </p:sp>
       <p:sp>
         <p:nvSpPr>
           <p:cNvPr id="2" name="Title 1">
@@ -3407,13 +2994,13 @@
         </p:nvSpPr>
         <p:spPr>
           <a:xfrm>
-            <a:off x="6763288" y="705420"/>
-            <a:ext cx="5449126" cy="3022189"/>
+            <a:off x="5297760" y="1069848"/>
+            <a:ext cx="6251110" cy="3566160"/>
           </a:xfrm>
         </p:spPr>
         <p:txBody>
-          <a:bodyPr anchor="t">
-            <a:normAutofit fontScale="90000"/>
+          <a:bodyPr anchor="b">
+            <a:normAutofit/>
           </a:bodyPr>
           <a:lstStyle/>
           <a:p>
@@ -3422,29 +3009,23 @@
               <a:rPr lang="en-US" sz="5400" dirty="0">
                 <a:latin typeface="American Typewriter" panose="02090604020004020304" pitchFamily="18" charset="77"/>
               </a:rPr>
-              <a:t>Workout </a:t>
+              <a:t> </a:t>
             </a:r>
             <a:br>
               <a:rPr lang="en-US" sz="5400" dirty="0">
                 <a:latin typeface="American Typewriter" panose="02090604020004020304" pitchFamily="18" charset="77"/>
               </a:rPr>
             </a:br>
-            <a:r>
-              <a:rPr lang="en-US" sz="5400" dirty="0">
-                <a:latin typeface="American Typewriter" panose="02090604020004020304" pitchFamily="18" charset="77"/>
-              </a:rPr>
-              <a:t>Manager</a:t>
-            </a:r>
             <a:br>
               <a:rPr lang="en-US" sz="5400" dirty="0">
                 <a:latin typeface="American Typewriter" panose="02090604020004020304" pitchFamily="18" charset="77"/>
               </a:rPr>
             </a:br>
             <a:r>
-              <a:rPr lang="en-US" sz="5400" dirty="0">
+              <a:rPr lang="en-US" sz="3600" dirty="0">
                 <a:latin typeface="American Typewriter" panose="02090604020004020304" pitchFamily="18" charset="77"/>
               </a:rPr>
-              <a:t>By: Carys Winne</a:t>
+              <a:t>Team: Carys Winne</a:t>
             </a:r>
           </a:p>
         </p:txBody>
@@ -3467,23 +3048,19 @@
         </p:nvSpPr>
         <p:spPr>
           <a:xfrm>
-            <a:off x="7006874" y="3988558"/>
-            <a:ext cx="4036333" cy="1709849"/>
+            <a:off x="5297760" y="4636008"/>
+            <a:ext cx="6251111" cy="1572768"/>
           </a:xfrm>
         </p:spPr>
         <p:txBody>
-          <a:bodyPr anchor="b">
-            <a:normAutofit fontScale="40000" lnSpcReduction="20000"/>
+          <a:bodyPr>
+            <a:normAutofit/>
           </a:bodyPr>
           <a:lstStyle/>
           <a:p>
-            <a:pPr algn="l">
-              <a:lnSpc>
-                <a:spcPct val="220000"/>
-              </a:lnSpc>
-            </a:pPr>
-            <a:r>
-              <a:rPr lang="en-US" dirty="0">
+            <a:pPr algn="l"/>
+            <a:r>
+              <a:rPr lang="en-US" sz="1700">
                 <a:latin typeface="American Typewriter" panose="02090604020004020304" pitchFamily="18" charset="77"/>
               </a:rPr>
               <a:t>Workout Manager is designed with the idea of managing and tracking different workouts. It can track different things such as the workout name, how many repetitions to perform, and how many sets to do allowing for a planned and effective trip to the gym.</a:t>
@@ -3491,145 +3068,12 @@
           </a:p>
         </p:txBody>
       </p:sp>
-      <p:sp>
-        <p:nvSpPr>
-          <p:cNvPr id="11" name="Rectangle 10">
+      <p:pic>
+        <p:nvPicPr>
+          <p:cNvPr id="6" name="Picture 5" descr="A black screen with white text&#10;&#10;Description automatically generated">
             <a:extLst>
               <a:ext uri="{FF2B5EF4-FFF2-40B4-BE49-F238E27FC236}">
-                <a16:creationId xmlns:a16="http://schemas.microsoft.com/office/drawing/2014/main" id="{B81933D1-5615-42C7-9C0B-4EB7105CCE2D}"/>
-              </a:ext>
-              <a:ext uri="{C183D7F6-B498-43B3-948B-1728B52AA6E4}">
-                <adec:decorative xmlns:adec="http://schemas.microsoft.com/office/drawing/2017/decorative" val="1"/>
-              </a:ext>
-            </a:extLst>
-          </p:cNvPr>
-          <p:cNvSpPr>
-            <a:spLocks noGrp="1" noRot="1" noChangeAspect="1" noMove="1" noResize="1" noEditPoints="1" noAdjustHandles="1" noChangeArrowheads="1" noChangeShapeType="1" noTextEdit="1"/>
-          </p:cNvSpPr>
-          <p:nvPr>
-            <p:extLst>
-              <p:ext uri="{386F3935-93C4-4BCD-93E2-E3B085C9AB24}">
-                <p16:designElem xmlns:p16="http://schemas.microsoft.com/office/powerpoint/2015/main" val="1"/>
-              </p:ext>
-            </p:extLst>
-          </p:nvPr>
-        </p:nvSpPr>
-        <p:spPr>
-          <a:xfrm flipH="1">
-            <a:off x="0" y="0"/>
-            <a:ext cx="1494330" cy="6858000"/>
-          </a:xfrm>
-          <a:prstGeom prst="rect">
-            <a:avLst/>
-          </a:prstGeom>
-          <a:solidFill>
-            <a:schemeClr val="accent4"/>
-          </a:solidFill>
-          <a:ln>
-            <a:noFill/>
-          </a:ln>
-        </p:spPr>
-        <p:style>
-          <a:lnRef idx="2">
-            <a:schemeClr val="accent1">
-              <a:shade val="50000"/>
-            </a:schemeClr>
-          </a:lnRef>
-          <a:fillRef idx="1">
-            <a:schemeClr val="accent1"/>
-          </a:fillRef>
-          <a:effectRef idx="0">
-            <a:schemeClr val="accent1"/>
-          </a:effectRef>
-          <a:fontRef idx="minor">
-            <a:schemeClr val="lt1"/>
-          </a:fontRef>
-        </p:style>
-        <p:txBody>
-          <a:bodyPr rtlCol="0" anchor="ctr"/>
-          <a:lstStyle/>
-          <a:p>
-            <a:pPr algn="ctr"/>
-            <a:endParaRPr lang="en-US"/>
-          </a:p>
-        </p:txBody>
-      </p:sp>
-      <p:sp>
-        <p:nvSpPr>
-          <p:cNvPr id="13" name="Rectangle 12">
-            <a:extLst>
-              <a:ext uri="{FF2B5EF4-FFF2-40B4-BE49-F238E27FC236}">
-                <a16:creationId xmlns:a16="http://schemas.microsoft.com/office/drawing/2014/main" id="{19C9EAEA-39D0-4B0E-A0EB-51E7B26740B1}"/>
-              </a:ext>
-              <a:ext uri="{C183D7F6-B498-43B3-948B-1728B52AA6E4}">
-                <adec:decorative xmlns:adec="http://schemas.microsoft.com/office/drawing/2017/decorative" val="1"/>
-              </a:ext>
-            </a:extLst>
-          </p:cNvPr>
-          <p:cNvSpPr>
-            <a:spLocks noGrp="1" noRot="1" noChangeAspect="1" noMove="1" noResize="1" noEditPoints="1" noAdjustHandles="1" noChangeArrowheads="1" noChangeShapeType="1" noTextEdit="1"/>
-          </p:cNvSpPr>
-          <p:nvPr>
-            <p:extLst>
-              <p:ext uri="{386F3935-93C4-4BCD-93E2-E3B085C9AB24}">
-                <p16:designElem xmlns:p16="http://schemas.microsoft.com/office/powerpoint/2015/main" val="1"/>
-              </p:ext>
-            </p:extLst>
-          </p:nvPr>
-        </p:nvSpPr>
-        <p:spPr>
-          <a:xfrm>
-            <a:off x="496824" y="391886"/>
-            <a:ext cx="6009366" cy="6017078"/>
-          </a:xfrm>
-          <a:prstGeom prst="rect">
-            <a:avLst/>
-          </a:prstGeom>
-          <a:solidFill>
-            <a:schemeClr val="bg1"/>
-          </a:solidFill>
-          <a:ln>
-            <a:noFill/>
-          </a:ln>
-          <a:effectLst>
-            <a:outerShdw blurRad="139700" dist="127000" dir="5400000" algn="t" rotWithShape="0">
-              <a:prstClr val="black">
-                <a:alpha val="15000"/>
-              </a:prstClr>
-            </a:outerShdw>
-          </a:effectLst>
-        </p:spPr>
-        <p:style>
-          <a:lnRef idx="2">
-            <a:schemeClr val="accent1">
-              <a:shade val="50000"/>
-            </a:schemeClr>
-          </a:lnRef>
-          <a:fillRef idx="1">
-            <a:schemeClr val="accent1"/>
-          </a:fillRef>
-          <a:effectRef idx="0">
-            <a:schemeClr val="accent1"/>
-          </a:effectRef>
-          <a:fontRef idx="minor">
-            <a:schemeClr val="lt1"/>
-          </a:fontRef>
-        </p:style>
-        <p:txBody>
-          <a:bodyPr rtlCol="0" anchor="ctr"/>
-          <a:lstStyle/>
-          <a:p>
-            <a:pPr algn="ctr"/>
-            <a:endParaRPr lang="en-US"/>
-          </a:p>
-        </p:txBody>
-      </p:sp>
-      <p:pic>
-        <p:nvPicPr>
-          <p:cNvPr id="4" name="Picture 3">
-            <a:extLst>
-              <a:ext uri="{FF2B5EF4-FFF2-40B4-BE49-F238E27FC236}">
-                <a16:creationId xmlns:a16="http://schemas.microsoft.com/office/drawing/2014/main" id="{4E5B4D9A-A612-85C3-9C52-FCACC40B57FC}"/>
+                <a16:creationId xmlns:a16="http://schemas.microsoft.com/office/drawing/2014/main" id="{6F06A5E1-6239-DF49-34D1-11ADA06C2D1A}"/>
               </a:ext>
             </a:extLst>
           </p:cNvPr>
@@ -3640,232 +3084,164 @@
         </p:nvPicPr>
         <p:blipFill>
           <a:blip r:embed="rId2"/>
+          <a:srcRect r="65026" b="-1"/>
+          <a:stretch/>
+        </p:blipFill>
+        <p:spPr>
+          <a:xfrm>
+            <a:off x="1" y="10"/>
+            <a:ext cx="4657344" cy="6857990"/>
+          </a:xfrm>
+          <a:custGeom>
+            <a:avLst/>
+            <a:gdLst/>
+            <a:ahLst/>
+            <a:cxnLst/>
+            <a:rect l="l" t="t" r="r" b="b"/>
+            <a:pathLst>
+              <a:path w="4657344" h="6858000">
+                <a:moveTo>
+                  <a:pt x="0" y="0"/>
+                </a:moveTo>
+                <a:lnTo>
+                  <a:pt x="3429755" y="0"/>
+                </a:lnTo>
+                <a:lnTo>
+                  <a:pt x="3526016" y="148742"/>
+                </a:lnTo>
+                <a:cubicBezTo>
+                  <a:pt x="3657740" y="365513"/>
+                  <a:pt x="3777402" y="589569"/>
+                  <a:pt x="3886489" y="819975"/>
+                </a:cubicBezTo>
+                <a:cubicBezTo>
+                  <a:pt x="3891856" y="833492"/>
+                  <a:pt x="3900663" y="845393"/>
+                  <a:pt x="3912049" y="854514"/>
+                </a:cubicBezTo>
+                <a:cubicBezTo>
+                  <a:pt x="3897352" y="819849"/>
+                  <a:pt x="3883037" y="784928"/>
+                  <a:pt x="3868083" y="750263"/>
+                </a:cubicBezTo>
+                <a:cubicBezTo>
+                  <a:pt x="3806989" y="608712"/>
+                  <a:pt x="3742478" y="469145"/>
+                  <a:pt x="3674155" y="331786"/>
+                </a:cubicBezTo>
+                <a:lnTo>
+                  <a:pt x="3496656" y="0"/>
+                </a:lnTo>
+                <a:lnTo>
+                  <a:pt x="3554371" y="0"/>
+                </a:lnTo>
+                <a:lnTo>
+                  <a:pt x="3661621" y="196614"/>
+                </a:lnTo>
+                <a:cubicBezTo>
+                  <a:pt x="3856899" y="573253"/>
+                  <a:pt x="4021071" y="966066"/>
+                  <a:pt x="4161279" y="1371196"/>
+                </a:cubicBezTo>
+                <a:cubicBezTo>
+                  <a:pt x="4379525" y="2007265"/>
+                  <a:pt x="4530141" y="2664286"/>
+                  <a:pt x="4610660" y="3331516"/>
+                </a:cubicBezTo>
+                <a:cubicBezTo>
+                  <a:pt x="4652837" y="3672965"/>
+                  <a:pt x="4671625" y="4013908"/>
+                  <a:pt x="4645040" y="4357388"/>
+                </a:cubicBezTo>
+                <a:cubicBezTo>
+                  <a:pt x="4613599" y="4758899"/>
+                  <a:pt x="4566181" y="5157998"/>
+                  <a:pt x="4485789" y="5552906"/>
+                </a:cubicBezTo>
+                <a:cubicBezTo>
+                  <a:pt x="4397121" y="5988893"/>
+                  <a:pt x="4276748" y="6414594"/>
+                  <a:pt x="4117769" y="6828295"/>
+                </a:cubicBezTo>
+                <a:lnTo>
+                  <a:pt x="4105288" y="6858000"/>
+                </a:lnTo>
+                <a:lnTo>
+                  <a:pt x="4052520" y="6858000"/>
+                </a:lnTo>
+                <a:lnTo>
+                  <a:pt x="4059369" y="6841549"/>
+                </a:lnTo>
+                <a:cubicBezTo>
+                  <a:pt x="4147276" y="6614016"/>
+                  <a:pt x="4224193" y="6380817"/>
+                  <a:pt x="4291518" y="6142729"/>
+                </a:cubicBezTo>
+                <a:cubicBezTo>
+                  <a:pt x="4350055" y="5935370"/>
+                  <a:pt x="4393256" y="5723695"/>
+                  <a:pt x="4443357" y="5513923"/>
+                </a:cubicBezTo>
+                <a:cubicBezTo>
+                  <a:pt x="4444541" y="5502788"/>
+                  <a:pt x="4445137" y="5491601"/>
+                  <a:pt x="4445146" y="5480401"/>
+                </a:cubicBezTo>
+                <a:cubicBezTo>
+                  <a:pt x="4408465" y="5607635"/>
+                  <a:pt x="4379196" y="5719759"/>
+                  <a:pt x="4344559" y="5830359"/>
+                </a:cubicBezTo>
+                <a:cubicBezTo>
+                  <a:pt x="4254261" y="6118381"/>
+                  <a:pt x="4150112" y="6398531"/>
+                  <a:pt x="4031702" y="6670527"/>
+                </a:cubicBezTo>
+                <a:lnTo>
+                  <a:pt x="3943824" y="6858000"/>
+                </a:lnTo>
+                <a:lnTo>
+                  <a:pt x="0" y="6858000"/>
+                </a:lnTo>
+                <a:close/>
+              </a:path>
+            </a:pathLst>
+          </a:custGeom>
+        </p:spPr>
+      </p:pic>
+      <p:pic>
+        <p:nvPicPr>
+          <p:cNvPr id="8" name="Picture 7">
+            <a:extLst>
+              <a:ext uri="{FF2B5EF4-FFF2-40B4-BE49-F238E27FC236}">
+                <a16:creationId xmlns:a16="http://schemas.microsoft.com/office/drawing/2014/main" id="{3C444DC2-DDA6-DDDE-9988-FBC82FD4B4A4}"/>
+              </a:ext>
+            </a:extLst>
+          </p:cNvPr>
+          <p:cNvPicPr>
+            <a:picLocks noChangeAspect="1"/>
+          </p:cNvPicPr>
+          <p:nvPr/>
+        </p:nvPicPr>
+        <p:blipFill>
+          <a:blip r:embed="rId3"/>
           <a:stretch>
             <a:fillRect/>
           </a:stretch>
         </p:blipFill>
         <p:spPr>
           <a:xfrm>
-            <a:off x="733507" y="699969"/>
-            <a:ext cx="5536001" cy="5399309"/>
+            <a:off x="6096000" y="0"/>
+            <a:ext cx="4048461" cy="4048461"/>
           </a:xfrm>
           <a:prstGeom prst="rect">
             <a:avLst/>
           </a:prstGeom>
+          <a:solidFill>
+            <a:srgbClr val="FFFF00"/>
+          </a:solidFill>
         </p:spPr>
       </p:pic>
-      <p:grpSp>
-        <p:nvGrpSpPr>
-          <p:cNvPr id="15" name="Group 14">
-            <a:extLst>
-              <a:ext uri="{FF2B5EF4-FFF2-40B4-BE49-F238E27FC236}">
-                <a16:creationId xmlns:a16="http://schemas.microsoft.com/office/drawing/2014/main" id="{032D8612-31EB-44CF-A1D0-14FD4C705424}"/>
-              </a:ext>
-              <a:ext uri="{C183D7F6-B498-43B3-948B-1728B52AA6E4}">
-                <adec:decorative xmlns:adec="http://schemas.microsoft.com/office/drawing/2017/decorative" val="1"/>
-              </a:ext>
-            </a:extLst>
-          </p:cNvPr>
-          <p:cNvGrpSpPr>
-            <a:grpSpLocks noGrp="1" noUngrp="1" noRot="1" noChangeAspect="1" noMove="1" noResize="1"/>
-          </p:cNvGrpSpPr>
-          <p:nvPr>
-            <p:extLst>
-              <p:ext uri="{386F3935-93C4-4BCD-93E2-E3B085C9AB24}">
-                <p16:designElem xmlns:p16="http://schemas.microsoft.com/office/powerpoint/2015/main" val="1"/>
-              </p:ext>
-            </p:extLst>
-          </p:nvPr>
-        </p:nvGrpSpPr>
-        <p:grpSpPr>
-          <a:xfrm>
-            <a:off x="11460480" y="2984992"/>
-            <a:ext cx="731521" cy="673460"/>
-            <a:chOff x="3940602" y="308034"/>
-            <a:chExt cx="2116791" cy="3428999"/>
-          </a:xfrm>
-          <a:solidFill>
-            <a:schemeClr val="accent4"/>
-          </a:solidFill>
-        </p:grpSpPr>
-        <p:sp>
-          <p:nvSpPr>
-            <p:cNvPr id="16" name="Rectangle 15">
-              <a:extLst>
-                <a:ext uri="{FF2B5EF4-FFF2-40B4-BE49-F238E27FC236}">
-                  <a16:creationId xmlns:a16="http://schemas.microsoft.com/office/drawing/2014/main" id="{F19A4A0F-1B59-4DB0-9764-D10936E98770}"/>
-                </a:ext>
-                <a:ext uri="{C183D7F6-B498-43B3-948B-1728B52AA6E4}">
-                  <adec:decorative xmlns:adec="http://schemas.microsoft.com/office/drawing/2017/decorative" val="1"/>
-                </a:ext>
-              </a:extLst>
-            </p:cNvPr>
-            <p:cNvSpPr/>
-            <p:nvPr>
-              <p:extLst>
-                <p:ext uri="{386F3935-93C4-4BCD-93E2-E3B085C9AB24}">
-                  <p16:designElem xmlns:p16="http://schemas.microsoft.com/office/powerpoint/2015/main" val="1"/>
-                </p:ext>
-              </p:extLst>
-            </p:nvPr>
-          </p:nvSpPr>
-          <p:spPr>
-            <a:xfrm>
-              <a:off x="3940602" y="308034"/>
-              <a:ext cx="566743" cy="3428999"/>
-            </a:xfrm>
-            <a:prstGeom prst="rect">
-              <a:avLst/>
-            </a:prstGeom>
-            <a:grpFill/>
-            <a:ln>
-              <a:noFill/>
-            </a:ln>
-          </p:spPr>
-          <p:style>
-            <a:lnRef idx="2">
-              <a:schemeClr val="accent1">
-                <a:shade val="50000"/>
-              </a:schemeClr>
-            </a:lnRef>
-            <a:fillRef idx="1">
-              <a:schemeClr val="accent1"/>
-            </a:fillRef>
-            <a:effectRef idx="0">
-              <a:schemeClr val="accent1"/>
-            </a:effectRef>
-            <a:fontRef idx="minor">
-              <a:schemeClr val="lt1"/>
-            </a:fontRef>
-          </p:style>
-          <p:txBody>
-            <a:bodyPr rtlCol="0" anchor="ctr"/>
-            <a:lstStyle/>
-            <a:p>
-              <a:pPr algn="ctr"/>
-              <a:endParaRPr lang="en-US"/>
-            </a:p>
-          </p:txBody>
-        </p:sp>
-        <p:sp>
-          <p:nvSpPr>
-            <p:cNvPr id="17" name="Rectangle 16">
-              <a:extLst>
-                <a:ext uri="{FF2B5EF4-FFF2-40B4-BE49-F238E27FC236}">
-                  <a16:creationId xmlns:a16="http://schemas.microsoft.com/office/drawing/2014/main" id="{F399A70F-F8CD-4992-9EF5-6CF15472E73F}"/>
-                </a:ext>
-                <a:ext uri="{C183D7F6-B498-43B3-948B-1728B52AA6E4}">
-                  <adec:decorative xmlns:adec="http://schemas.microsoft.com/office/drawing/2017/decorative" val="1"/>
-                </a:ext>
-              </a:extLst>
-            </p:cNvPr>
-            <p:cNvSpPr/>
-            <p:nvPr>
-              <p:extLst>
-                <p:ext uri="{386F3935-93C4-4BCD-93E2-E3B085C9AB24}">
-                  <p16:designElem xmlns:p16="http://schemas.microsoft.com/office/powerpoint/2015/main" val="1"/>
-                </p:ext>
-              </p:extLst>
-            </p:nvPr>
-          </p:nvSpPr>
-          <p:spPr>
-            <a:xfrm>
-              <a:off x="4715626" y="308034"/>
-              <a:ext cx="566743" cy="3428999"/>
-            </a:xfrm>
-            <a:prstGeom prst="rect">
-              <a:avLst/>
-            </a:prstGeom>
-            <a:grpFill/>
-            <a:ln>
-              <a:noFill/>
-            </a:ln>
-          </p:spPr>
-          <p:style>
-            <a:lnRef idx="2">
-              <a:schemeClr val="accent1">
-                <a:shade val="50000"/>
-              </a:schemeClr>
-            </a:lnRef>
-            <a:fillRef idx="1">
-              <a:schemeClr val="accent1"/>
-            </a:fillRef>
-            <a:effectRef idx="0">
-              <a:schemeClr val="accent1"/>
-            </a:effectRef>
-            <a:fontRef idx="minor">
-              <a:schemeClr val="lt1"/>
-            </a:fontRef>
-          </p:style>
-          <p:txBody>
-            <a:bodyPr rtlCol="0" anchor="ctr"/>
-            <a:lstStyle/>
-            <a:p>
-              <a:pPr algn="ctr"/>
-              <a:endParaRPr lang="en-US"/>
-            </a:p>
-          </p:txBody>
-        </p:sp>
-        <p:sp>
-          <p:nvSpPr>
-            <p:cNvPr id="18" name="Rectangle 17">
-              <a:extLst>
-                <a:ext uri="{FF2B5EF4-FFF2-40B4-BE49-F238E27FC236}">
-                  <a16:creationId xmlns:a16="http://schemas.microsoft.com/office/drawing/2014/main" id="{48F4FEDC-6D80-458C-A665-075D9B9500FD}"/>
-                </a:ext>
-                <a:ext uri="{C183D7F6-B498-43B3-948B-1728B52AA6E4}">
-                  <adec:decorative xmlns:adec="http://schemas.microsoft.com/office/drawing/2017/decorative" val="1"/>
-                </a:ext>
-              </a:extLst>
-            </p:cNvPr>
-            <p:cNvSpPr/>
-            <p:nvPr>
-              <p:extLst>
-                <p:ext uri="{386F3935-93C4-4BCD-93E2-E3B085C9AB24}">
-                  <p16:designElem xmlns:p16="http://schemas.microsoft.com/office/powerpoint/2015/main" val="1"/>
-                </p:ext>
-              </p:extLst>
-            </p:nvPr>
-          </p:nvSpPr>
-          <p:spPr>
-            <a:xfrm>
-              <a:off x="5490650" y="308034"/>
-              <a:ext cx="566743" cy="3428999"/>
-            </a:xfrm>
-            <a:prstGeom prst="rect">
-              <a:avLst/>
-            </a:prstGeom>
-            <a:grpFill/>
-            <a:ln>
-              <a:noFill/>
-            </a:ln>
-          </p:spPr>
-          <p:style>
-            <a:lnRef idx="2">
-              <a:schemeClr val="accent1">
-                <a:shade val="50000"/>
-              </a:schemeClr>
-            </a:lnRef>
-            <a:fillRef idx="1">
-              <a:schemeClr val="accent1"/>
-            </a:fillRef>
-            <a:effectRef idx="0">
-              <a:schemeClr val="accent1"/>
-            </a:effectRef>
-            <a:fontRef idx="minor">
-              <a:schemeClr val="lt1"/>
-            </a:fontRef>
-          </p:style>
-          <p:txBody>
-            <a:bodyPr rtlCol="0" anchor="ctr"/>
-            <a:lstStyle/>
-            <a:p>
-              <a:pPr algn="ctr"/>
-              <a:endParaRPr lang="en-US"/>
-            </a:p>
-          </p:txBody>
-        </p:sp>
-      </p:grpSp>
     </p:spTree>
     <p:extLst>
       <p:ext uri="{BB962C8B-B14F-4D97-AF65-F5344CB8AC3E}">
@@ -3876,13 +3252,152 @@
   <p:clrMapOvr>
     <a:masterClrMapping/>
   </p:clrMapOvr>
+  <p:timing>
+    <p:tnLst>
+      <p:par>
+        <p:cTn id="1" dur="indefinite" restart="never" nodeType="tmRoot">
+          <p:childTnLst>
+            <p:seq concurrent="1" nextAc="seek">
+              <p:cTn id="2" dur="indefinite" nodeType="mainSeq">
+                <p:childTnLst>
+                  <p:par>
+                    <p:cTn id="3" fill="hold">
+                      <p:stCondLst>
+                        <p:cond delay="indefinite"/>
+                        <p:cond evt="onBegin" delay="0">
+                          <p:tn val="2"/>
+                        </p:cond>
+                      </p:stCondLst>
+                      <p:childTnLst>
+                        <p:par>
+                          <p:cTn id="4" fill="hold">
+                            <p:stCondLst>
+                              <p:cond delay="0"/>
+                            </p:stCondLst>
+                            <p:childTnLst>
+                              <p:par>
+                                <p:cTn id="5" presetID="10" presetClass="entr" presetSubtype="0" fill="hold" grpId="0" nodeType="withEffect">
+                                  <p:stCondLst>
+                                    <p:cond delay="1000"/>
+                                  </p:stCondLst>
+                                  <p:iterate>
+                                    <p:tmPct val="10000"/>
+                                  </p:iterate>
+                                  <p:childTnLst>
+                                    <p:set>
+                                      <p:cBhvr>
+                                        <p:cTn id="6" dur="1" fill="hold">
+                                          <p:stCondLst>
+                                            <p:cond delay="0"/>
+                                          </p:stCondLst>
+                                        </p:cTn>
+                                        <p:tgtEl>
+                                          <p:spTgt spid="2"/>
+                                        </p:tgtEl>
+                                        <p:attrNameLst>
+                                          <p:attrName>style.visibility</p:attrName>
+                                        </p:attrNameLst>
+                                      </p:cBhvr>
+                                      <p:to>
+                                        <p:strVal val="visible"/>
+                                      </p:to>
+                                    </p:set>
+                                    <p:animEffect transition="in" filter="fade">
+                                      <p:cBhvr>
+                                        <p:cTn id="7" dur="700"/>
+                                        <p:tgtEl>
+                                          <p:spTgt spid="2"/>
+                                        </p:tgtEl>
+                                      </p:cBhvr>
+                                    </p:animEffect>
+                                  </p:childTnLst>
+                                </p:cTn>
+                              </p:par>
+                              <p:par>
+                                <p:cTn id="8" presetID="10" presetClass="entr" presetSubtype="0" fill="hold" grpId="0" nodeType="withEffect">
+                                  <p:stCondLst>
+                                    <p:cond delay="1500"/>
+                                  </p:stCondLst>
+                                  <p:iterate>
+                                    <p:tmPct val="10000"/>
+                                  </p:iterate>
+                                  <p:childTnLst>
+                                    <p:set>
+                                      <p:cBhvr>
+                                        <p:cTn id="9" dur="1" fill="hold">
+                                          <p:stCondLst>
+                                            <p:cond delay="0"/>
+                                          </p:stCondLst>
+                                        </p:cTn>
+                                        <p:tgtEl>
+                                          <p:spTgt spid="3">
+                                            <p:txEl>
+                                              <p:pRg st="0" end="0"/>
+                                            </p:txEl>
+                                          </p:spTgt>
+                                        </p:tgtEl>
+                                        <p:attrNameLst>
+                                          <p:attrName>style.visibility</p:attrName>
+                                        </p:attrNameLst>
+                                      </p:cBhvr>
+                                      <p:to>
+                                        <p:strVal val="visible"/>
+                                      </p:to>
+                                    </p:set>
+                                    <p:animEffect transition="in" filter="fade">
+                                      <p:cBhvr>
+                                        <p:cTn id="10" dur="700"/>
+                                        <p:tgtEl>
+                                          <p:spTgt spid="3">
+                                            <p:txEl>
+                                              <p:pRg st="0" end="0"/>
+                                            </p:txEl>
+                                          </p:spTgt>
+                                        </p:tgtEl>
+                                      </p:cBhvr>
+                                    </p:animEffect>
+                                  </p:childTnLst>
+                                </p:cTn>
+                              </p:par>
+                            </p:childTnLst>
+                          </p:cTn>
+                        </p:par>
+                      </p:childTnLst>
+                    </p:cTn>
+                  </p:par>
+                </p:childTnLst>
+              </p:cTn>
+              <p:prevCondLst>
+                <p:cond evt="onPrev" delay="0">
+                  <p:tgtEl>
+                    <p:sldTgt/>
+                  </p:tgtEl>
+                </p:cond>
+              </p:prevCondLst>
+              <p:nextCondLst>
+                <p:cond evt="onNext" delay="0">
+                  <p:tgtEl>
+                    <p:sldTgt/>
+                  </p:tgtEl>
+                </p:cond>
+              </p:nextCondLst>
+            </p:seq>
+          </p:childTnLst>
+        </p:cTn>
+      </p:par>
+    </p:tnLst>
+    <p:bldLst>
+      <p:bldP spid="2" grpId="0"/>
+      <p:bldP spid="3" grpId="0" build="p"/>
+    </p:bldLst>
+  </p:timing>
 </p:sld>
 </file>
 
 <file path=ppt/theme/theme1.xml><?xml version="1.0" encoding="utf-8"?>
-<a:theme xmlns:a="http://schemas.openxmlformats.org/drawingml/2006/main" name="Office Theme">
+<a:theme xmlns:a="http://schemas.openxmlformats.org/drawingml/2006/main" name="Office 2013 - 2022 Theme">
   <a:themeElements>
-    <a:clrScheme name="Office">
+    <a:clrScheme name="Office 2013 - 2022 Theme">
       <a:dk1>
         <a:sysClr val="windowText" lastClr="000000"/>
       </a:dk1>
@@ -3890,39 +3405,39 @@
         <a:sysClr val="window" lastClr="FFFFFF"/>
       </a:lt1>
       <a:dk2>
-        <a:srgbClr val="0E2841"/>
+        <a:srgbClr val="44546A"/>
       </a:dk2>
       <a:lt2>
-        <a:srgbClr val="E8E8E8"/>
+        <a:srgbClr val="E7E6E6"/>
       </a:lt2>
       <a:accent1>
-        <a:srgbClr val="156082"/>
+        <a:srgbClr val="4472C4"/>
       </a:accent1>
       <a:accent2>
-        <a:srgbClr val="E97132"/>
+        <a:srgbClr val="ED7D31"/>
       </a:accent2>
       <a:accent3>
-        <a:srgbClr val="196B24"/>
+        <a:srgbClr val="A5A5A5"/>
       </a:accent3>
       <a:accent4>
-        <a:srgbClr val="0F9ED5"/>
+        <a:srgbClr val="FFC000"/>
       </a:accent4>
       <a:accent5>
-        <a:srgbClr val="A02B93"/>
+        <a:srgbClr val="5B9BD5"/>
       </a:accent5>
       <a:accent6>
-        <a:srgbClr val="4EA72E"/>
+        <a:srgbClr val="70AD47"/>
       </a:accent6>
       <a:hlink>
-        <a:srgbClr val="467886"/>
+        <a:srgbClr val="0563C1"/>
       </a:hlink>
       <a:folHlink>
-        <a:srgbClr val="96607D"/>
+        <a:srgbClr val="954F72"/>
       </a:folHlink>
     </a:clrScheme>
-    <a:fontScheme name="Office">
+    <a:fontScheme name="Office 2013 - 2022 Theme">
       <a:majorFont>
-        <a:latin typeface="Aptos Display" panose="02110004020202020204"/>
+        <a:latin typeface="Calibri Light" panose="020F0302020204030204"/>
         <a:ea typeface=""/>
         <a:cs typeface=""/>
         <a:font script="Jpan" typeface="游ゴシック Light"/>
@@ -3955,26 +3470,9 @@
         <a:font script="Viet" typeface="Times New Roman"/>
         <a:font script="Uigh" typeface="Microsoft Uighur"/>
         <a:font script="Geor" typeface="Sylfaen"/>
-        <a:font script="Armn" typeface="Arial"/>
-        <a:font script="Bugi" typeface="Leelawadee UI"/>
-        <a:font script="Bopo" typeface="Microsoft JhengHei"/>
-        <a:font script="Java" typeface="Javanese Text"/>
-        <a:font script="Lisu" typeface="Segoe UI"/>
-        <a:font script="Mymr" typeface="Myanmar Text"/>
-        <a:font script="Nkoo" typeface="Ebrima"/>
-        <a:font script="Olck" typeface="Nirmala UI"/>
-        <a:font script="Osma" typeface="Ebrima"/>
-        <a:font script="Phag" typeface="Phagspa"/>
-        <a:font script="Syrn" typeface="Estrangelo Edessa"/>
-        <a:font script="Syrj" typeface="Estrangelo Edessa"/>
-        <a:font script="Syre" typeface="Estrangelo Edessa"/>
-        <a:font script="Sora" typeface="Nirmala UI"/>
-        <a:font script="Tale" typeface="Microsoft Tai Le"/>
-        <a:font script="Talu" typeface="Microsoft New Tai Lue"/>
-        <a:font script="Tfng" typeface="Ebrima"/>
       </a:majorFont>
       <a:minorFont>
-        <a:latin typeface="Aptos" panose="02110004020202020204"/>
+        <a:latin typeface="Calibri" panose="020F0502020204030204"/>
         <a:ea typeface=""/>
         <a:cs typeface=""/>
         <a:font script="Jpan" typeface="游ゴシック"/>
@@ -4007,26 +3505,9 @@
         <a:font script="Viet" typeface="Arial"/>
         <a:font script="Uigh" typeface="Microsoft Uighur"/>
         <a:font script="Geor" typeface="Sylfaen"/>
-        <a:font script="Armn" typeface="Arial"/>
-        <a:font script="Bugi" typeface="Leelawadee UI"/>
-        <a:font script="Bopo" typeface="Microsoft JhengHei"/>
-        <a:font script="Java" typeface="Javanese Text"/>
-        <a:font script="Lisu" typeface="Segoe UI"/>
-        <a:font script="Mymr" typeface="Myanmar Text"/>
-        <a:font script="Nkoo" typeface="Ebrima"/>
-        <a:font script="Olck" typeface="Nirmala UI"/>
-        <a:font script="Osma" typeface="Ebrima"/>
-        <a:font script="Phag" typeface="Phagspa"/>
-        <a:font script="Syrn" typeface="Estrangelo Edessa"/>
-        <a:font script="Syrj" typeface="Estrangelo Edessa"/>
-        <a:font script="Syre" typeface="Estrangelo Edessa"/>
-        <a:font script="Sora" typeface="Nirmala UI"/>
-        <a:font script="Tale" typeface="Microsoft Tai Le"/>
-        <a:font script="Talu" typeface="Microsoft New Tai Lue"/>
-        <a:font script="Tfng" typeface="Ebrima"/>
       </a:minorFont>
     </a:fontScheme>
-    <a:fmtScheme name="Office">
+    <a:fmtScheme name="Office 2013 - 2022 Theme">
       <a:fillStyleLst>
         <a:solidFill>
           <a:schemeClr val="phClr"/>
@@ -4085,6 +3566,13 @@
         </a:gradFill>
       </a:fillStyleLst>
       <a:lnStyleLst>
+        <a:ln w="6350" cap="flat" cmpd="sng" algn="ctr">
+          <a:solidFill>
+            <a:schemeClr val="phClr"/>
+          </a:solidFill>
+          <a:prstDash val="solid"/>
+          <a:miter lim="800000"/>
+        </a:ln>
         <a:ln w="12700" cap="flat" cmpd="sng" algn="ctr">
           <a:solidFill>
             <a:schemeClr val="phClr"/>
@@ -4093,13 +3581,6 @@
           <a:miter lim="800000"/>
         </a:ln>
         <a:ln w="19050" cap="flat" cmpd="sng" algn="ctr">
-          <a:solidFill>
-            <a:schemeClr val="phClr"/>
-          </a:solidFill>
-          <a:prstDash val="solid"/>
-          <a:miter lim="800000"/>
-        </a:ln>
-        <a:ln w="25400" cap="flat" cmpd="sng" algn="ctr">
           <a:solidFill>
             <a:schemeClr val="phClr"/>
           </a:solidFill>
@@ -4164,31 +3645,11 @@
       </a:bgFillStyleLst>
     </a:fmtScheme>
   </a:themeElements>
-  <a:objectDefaults>
-    <a:lnDef>
-      <a:spPr/>
-      <a:bodyPr/>
-      <a:lstStyle/>
-      <a:style>
-        <a:lnRef idx="2">
-          <a:schemeClr val="accent1"/>
-        </a:lnRef>
-        <a:fillRef idx="0">
-          <a:schemeClr val="accent1"/>
-        </a:fillRef>
-        <a:effectRef idx="1">
-          <a:schemeClr val="accent1"/>
-        </a:effectRef>
-        <a:fontRef idx="minor">
-          <a:schemeClr val="tx1"/>
-        </a:fontRef>
-      </a:style>
-    </a:lnDef>
-  </a:objectDefaults>
+  <a:objectDefaults/>
   <a:extraClrSchemeLst/>
   <a:extLst>
     <a:ext uri="{05A4C25C-085E-4340-85A3-A5531E510DB2}">
-      <thm15:themeFamily xmlns:thm15="http://schemas.microsoft.com/office/thememl/2012/main" name="Office Theme" id="{2E142A2C-CD16-42D6-873A-C26D2A0506FA}" vid="{1BDDFF52-6CD6-40A5-AB3C-68EB2F1E4D0A}"/>
+      <thm15:themeFamily xmlns:thm15="http://schemas.microsoft.com/office/thememl/2012/main" name="Office 2013 - 2022 Theme" id="{62F939B6-93AF-4DB8-9C6B-D6C7DFDC589F}" vid="{4A3C46E8-61CC-4603-A589-7422A47A8E4A}"/>
     </a:ext>
   </a:extLst>
 </a:theme>
